--- a/2023/8月/17-08-2023.pptx
+++ b/2023/8月/17-08-2023.pptx
@@ -19,30 +19,29 @@
     <p:sldId id="268" r:id="rId13"/>
     <p:sldId id="269" r:id="rId14"/>
     <p:sldId id="270" r:id="rId15"/>
-    <p:sldId id="271" r:id="rId16"/>
-    <p:sldId id="272" r:id="rId17"/>
-    <p:sldId id="273" r:id="rId18"/>
-    <p:sldId id="274" r:id="rId19"/>
-    <p:sldId id="275" r:id="rId20"/>
-    <p:sldId id="276" r:id="rId21"/>
-    <p:sldId id="277" r:id="rId22"/>
-    <p:sldId id="278" r:id="rId23"/>
-    <p:sldId id="279" r:id="rId24"/>
-    <p:sldId id="280" r:id="rId25"/>
-    <p:sldId id="281" r:id="rId26"/>
-    <p:sldId id="282" r:id="rId27"/>
-    <p:sldId id="283" r:id="rId28"/>
-    <p:sldId id="284" r:id="rId29"/>
-    <p:sldId id="285" r:id="rId30"/>
-    <p:sldId id="286" r:id="rId31"/>
-    <p:sldId id="287" r:id="rId32"/>
-    <p:sldId id="288" r:id="rId33"/>
-    <p:sldId id="289" r:id="rId34"/>
-    <p:sldId id="290" r:id="rId35"/>
-    <p:sldId id="291" r:id="rId36"/>
-    <p:sldId id="292" r:id="rId37"/>
-    <p:sldId id="293" r:id="rId38"/>
-    <p:sldId id="294" r:id="rId39"/>
+    <p:sldId id="272" r:id="rId16"/>
+    <p:sldId id="273" r:id="rId17"/>
+    <p:sldId id="274" r:id="rId18"/>
+    <p:sldId id="275" r:id="rId19"/>
+    <p:sldId id="276" r:id="rId20"/>
+    <p:sldId id="277" r:id="rId21"/>
+    <p:sldId id="278" r:id="rId22"/>
+    <p:sldId id="279" r:id="rId23"/>
+    <p:sldId id="280" r:id="rId24"/>
+    <p:sldId id="281" r:id="rId25"/>
+    <p:sldId id="282" r:id="rId26"/>
+    <p:sldId id="283" r:id="rId27"/>
+    <p:sldId id="284" r:id="rId28"/>
+    <p:sldId id="285" r:id="rId29"/>
+    <p:sldId id="286" r:id="rId30"/>
+    <p:sldId id="287" r:id="rId31"/>
+    <p:sldId id="288" r:id="rId32"/>
+    <p:sldId id="289" r:id="rId33"/>
+    <p:sldId id="290" r:id="rId34"/>
+    <p:sldId id="291" r:id="rId35"/>
+    <p:sldId id="292" r:id="rId36"/>
+    <p:sldId id="293" r:id="rId37"/>
+    <p:sldId id="294" r:id="rId38"/>
   </p:sldIdLst>
   <p:sldSz cx="12192000" cy="6858000"/>
   <p:notesSz cx="6858000" cy="9144000"/>
@@ -141,6 +140,11 @@
       </a:defRPr>
     </a:lvl9pPr>
   </p:defaultTextStyle>
+  <p:extLst>
+    <p:ext uri="{EFAFB233-063F-42B5-8137-9DF3F51BA10A}">
+      <p15:sldGuideLst xmlns:p15="http://schemas.microsoft.com/office/powerpoint/2012/main"/>
+    </p:ext>
+  </p:extLst>
 </p:presentation>
 </file>
 
@@ -4048,7 +4052,49 @@
               </a:rPr>
               <a:t>十架的愛</a:t>
             </a:r>
-            <a:endParaRPr lang="zh-TW" altLang="en-US" sz="6400" b="1" dirty="0">
+            <a:r>
+              <a:rPr lang="en-US" sz="6400" b="1" dirty="0">
+                <a:solidFill>
+                  <a:srgbClr val="000066"/>
+                </a:solidFill>
+                <a:latin typeface="微軟正黑體" pitchFamily="34" charset="-120"/>
+                <a:ea typeface="微軟正黑體" pitchFamily="34" charset="-120"/>
+              </a:rPr>
+              <a:t>   </a:t>
+            </a:r>
+            <a:r>
+              <a:rPr lang="zh-CN" altLang="en-US" sz="6400" b="1" dirty="0">
+                <a:solidFill>
+                  <a:srgbClr val="000066"/>
+                </a:solidFill>
+                <a:latin typeface="微軟正黑體" pitchFamily="34" charset="-120"/>
+                <a:ea typeface="微軟正黑體" pitchFamily="34" charset="-120"/>
+              </a:rPr>
+              <a:t>何等奇妙</a:t>
+            </a:r>
+            <a:endParaRPr lang="en-US" altLang="zh-CN" sz="6400" b="1" dirty="0">
+              <a:solidFill>
+                <a:srgbClr val="000066"/>
+              </a:solidFill>
+              <a:latin typeface="微軟正黑體" pitchFamily="34" charset="-120"/>
+              <a:ea typeface="微軟正黑體" pitchFamily="34" charset="-120"/>
+            </a:endParaRPr>
+          </a:p>
+          <a:p>
+            <a:pPr algn="ctr">
+              <a:buNone/>
+            </a:pPr>
+            <a:r>
+              <a:rPr lang="zh-CN" altLang="en-US" sz="6400" b="1" dirty="0">
+                <a:solidFill>
+                  <a:srgbClr val="000066"/>
+                </a:solidFill>
+                <a:latin typeface="微軟正黑體" pitchFamily="34" charset="-120"/>
+                <a:ea typeface="微軟正黑體" pitchFamily="34" charset="-120"/>
+              </a:rPr>
+              <a:t>超乎我所求所想</a:t>
+            </a:r>
+            <a:endParaRPr lang="en-US" altLang="zh-CN" sz="6400" b="1" dirty="0">
               <a:solidFill>
                 <a:srgbClr val="000066"/>
               </a:solidFill>
@@ -4124,7 +4170,7 @@
     </p:spTree>
     <p:extLst>
       <p:ext uri="{BB962C8B-B14F-4D97-AF65-F5344CB8AC3E}">
-        <p14:creationId xmlns:p14="http://schemas.microsoft.com/office/powerpoint/2010/main" val="4266998049"/>
+        <p14:creationId xmlns:p14="http://schemas.microsoft.com/office/powerpoint/2010/main" val="3228255882"/>
       </p:ext>
     </p:extLst>
   </p:cSld>
@@ -4184,7 +4230,7 @@
                 <a:latin typeface="微軟正黑體" pitchFamily="34" charset="-120"/>
                 <a:ea typeface="微軟正黑體" pitchFamily="34" charset="-120"/>
               </a:rPr>
-              <a:t>十架的愛</a:t>
+              <a:t>洗淨我罪</a:t>
             </a:r>
             <a:r>
               <a:rPr lang="en-US" sz="6400" b="1" dirty="0">
@@ -4204,7 +4250,7 @@
                 <a:latin typeface="微軟正黑體" pitchFamily="34" charset="-120"/>
                 <a:ea typeface="微軟正黑體" pitchFamily="34" charset="-120"/>
               </a:rPr>
-              <a:t>何等奇妙</a:t>
+              <a:t>脫離污穢</a:t>
             </a:r>
             <a:endParaRPr lang="en-US" altLang="zh-CN" sz="6400" b="1" dirty="0">
               <a:solidFill>
@@ -4226,9 +4272,9 @@
                 <a:latin typeface="微軟正黑體" pitchFamily="34" charset="-120"/>
                 <a:ea typeface="微軟正黑體" pitchFamily="34" charset="-120"/>
               </a:rPr>
-              <a:t>超乎我所求所想</a:t>
-            </a:r>
-            <a:endParaRPr lang="en-US" altLang="zh-CN" sz="6400" b="1" dirty="0">
+              <a:t>穿上公義潔白衣裳</a:t>
+            </a:r>
+            <a:endParaRPr lang="zh-TW" altLang="en-US" sz="6400" b="1" dirty="0">
               <a:solidFill>
                 <a:srgbClr val="000066"/>
               </a:solidFill>
@@ -4304,7 +4350,7 @@
     </p:spTree>
     <p:extLst>
       <p:ext uri="{BB962C8B-B14F-4D97-AF65-F5344CB8AC3E}">
-        <p14:creationId xmlns:p14="http://schemas.microsoft.com/office/powerpoint/2010/main" val="3228255882"/>
+        <p14:creationId xmlns:p14="http://schemas.microsoft.com/office/powerpoint/2010/main" val="2607568369"/>
       </p:ext>
     </p:extLst>
   </p:cSld>
@@ -4364,7 +4410,7 @@
                 <a:latin typeface="微軟正黑體" pitchFamily="34" charset="-120"/>
                 <a:ea typeface="微軟正黑體" pitchFamily="34" charset="-120"/>
               </a:rPr>
-              <a:t>洗淨我罪</a:t>
+              <a:t>十架的愛</a:t>
             </a:r>
             <a:r>
               <a:rPr lang="en-US" sz="6400" b="1" dirty="0">
@@ -4384,7 +4430,7 @@
                 <a:latin typeface="微軟正黑體" pitchFamily="34" charset="-120"/>
                 <a:ea typeface="微軟正黑體" pitchFamily="34" charset="-120"/>
               </a:rPr>
-              <a:t>脫離污穢</a:t>
+              <a:t>何等奇妙</a:t>
             </a:r>
             <a:endParaRPr lang="en-US" altLang="zh-CN" sz="6400" b="1" dirty="0">
               <a:solidFill>
@@ -4406,9 +4452,9 @@
                 <a:latin typeface="微軟正黑體" pitchFamily="34" charset="-120"/>
                 <a:ea typeface="微軟正黑體" pitchFamily="34" charset="-120"/>
               </a:rPr>
-              <a:t>穿上公義潔白衣裳</a:t>
-            </a:r>
-            <a:endParaRPr lang="zh-TW" altLang="en-US" sz="6400" b="1" dirty="0">
+              <a:t>我生命從此不再一樣</a:t>
+            </a:r>
+            <a:endParaRPr lang="en-US" altLang="zh-CN" sz="6400" b="1" dirty="0">
               <a:solidFill>
                 <a:srgbClr val="000066"/>
               </a:solidFill>
@@ -4484,7 +4530,7 @@
     </p:spTree>
     <p:extLst>
       <p:ext uri="{BB962C8B-B14F-4D97-AF65-F5344CB8AC3E}">
-        <p14:creationId xmlns:p14="http://schemas.microsoft.com/office/powerpoint/2010/main" val="2607568369"/>
+        <p14:creationId xmlns:p14="http://schemas.microsoft.com/office/powerpoint/2010/main" val="2620408754"/>
       </p:ext>
     </p:extLst>
   </p:cSld>
@@ -4544,27 +4590,7 @@
                 <a:latin typeface="微軟正黑體" pitchFamily="34" charset="-120"/>
                 <a:ea typeface="微軟正黑體" pitchFamily="34" charset="-120"/>
               </a:rPr>
-              <a:t>十架的愛</a:t>
-            </a:r>
-            <a:r>
-              <a:rPr lang="en-US" sz="6400" b="1" dirty="0">
-                <a:solidFill>
-                  <a:srgbClr val="000066"/>
-                </a:solidFill>
-                <a:latin typeface="微軟正黑體" pitchFamily="34" charset="-120"/>
-                <a:ea typeface="微軟正黑體" pitchFamily="34" charset="-120"/>
-              </a:rPr>
-              <a:t>   </a:t>
-            </a:r>
-            <a:r>
-              <a:rPr lang="zh-CN" altLang="en-US" sz="6400" b="1" dirty="0">
-                <a:solidFill>
-                  <a:srgbClr val="000066"/>
-                </a:solidFill>
-                <a:latin typeface="微軟正黑體" pitchFamily="34" charset="-120"/>
-                <a:ea typeface="微軟正黑體" pitchFamily="34" charset="-120"/>
-              </a:rPr>
-              <a:t>何等奇妙</a:t>
+              <a:t>帶我重回天父懷抱</a:t>
             </a:r>
             <a:endParaRPr lang="en-US" altLang="zh-CN" sz="6400" b="1" dirty="0">
               <a:solidFill>
@@ -4586,7 +4612,7 @@
                 <a:latin typeface="微軟正黑體" pitchFamily="34" charset="-120"/>
                 <a:ea typeface="微軟正黑體" pitchFamily="34" charset="-120"/>
               </a:rPr>
-              <a:t>我生命從此不再一樣</a:t>
+              <a:t>在永恆裡我不停歌唱</a:t>
             </a:r>
             <a:endParaRPr lang="en-US" altLang="zh-CN" sz="6400" b="1" dirty="0">
               <a:solidFill>
@@ -4664,7 +4690,7 @@
     </p:spTree>
     <p:extLst>
       <p:ext uri="{BB962C8B-B14F-4D97-AF65-F5344CB8AC3E}">
-        <p14:creationId xmlns:p14="http://schemas.microsoft.com/office/powerpoint/2010/main" val="2620408754"/>
+        <p14:creationId xmlns:p14="http://schemas.microsoft.com/office/powerpoint/2010/main" val="293012569"/>
       </p:ext>
     </p:extLst>
   </p:cSld>
@@ -4724,31 +4750,9 @@
                 <a:latin typeface="微軟正黑體" pitchFamily="34" charset="-120"/>
                 <a:ea typeface="微軟正黑體" pitchFamily="34" charset="-120"/>
               </a:rPr>
-              <a:t>帶我重回天父懷抱</a:t>
-            </a:r>
-            <a:endParaRPr lang="en-US" altLang="zh-CN" sz="6400" b="1" dirty="0">
-              <a:solidFill>
-                <a:srgbClr val="000066"/>
-              </a:solidFill>
-              <a:latin typeface="微軟正黑體" pitchFamily="34" charset="-120"/>
-              <a:ea typeface="微軟正黑體" pitchFamily="34" charset="-120"/>
-            </a:endParaRPr>
-          </a:p>
-          <a:p>
-            <a:pPr algn="ctr">
-              <a:buNone/>
-            </a:pPr>
-            <a:r>
-              <a:rPr lang="zh-CN" altLang="en-US" sz="6400" b="1" dirty="0">
-                <a:solidFill>
-                  <a:srgbClr val="000066"/>
-                </a:solidFill>
-                <a:latin typeface="微軟正黑體" pitchFamily="34" charset="-120"/>
-                <a:ea typeface="微軟正黑體" pitchFamily="34" charset="-120"/>
-              </a:rPr>
-              <a:t>在永恆裡我不停歌唱</a:t>
-            </a:r>
-            <a:endParaRPr lang="en-US" altLang="zh-CN" sz="6400" b="1" dirty="0">
+              <a:t>十架的愛</a:t>
+            </a:r>
+            <a:endParaRPr lang="zh-TW" altLang="en-US" sz="6400" b="1" dirty="0">
               <a:solidFill>
                 <a:srgbClr val="000066"/>
               </a:solidFill>
@@ -4824,7 +4828,7 @@
     </p:spTree>
     <p:extLst>
       <p:ext uri="{BB962C8B-B14F-4D97-AF65-F5344CB8AC3E}">
-        <p14:creationId xmlns:p14="http://schemas.microsoft.com/office/powerpoint/2010/main" val="293012569"/>
+        <p14:creationId xmlns:p14="http://schemas.microsoft.com/office/powerpoint/2010/main" val="2496350833"/>
       </p:ext>
     </p:extLst>
   </p:cSld>
@@ -5083,9 +5087,31 @@
                 <a:latin typeface="微軟正黑體" pitchFamily="34" charset="-120"/>
                 <a:ea typeface="微軟正黑體" pitchFamily="34" charset="-120"/>
               </a:rPr>
-              <a:t>十架的愛</a:t>
-            </a:r>
-            <a:endParaRPr lang="zh-TW" altLang="en-US" sz="6400" b="1" dirty="0">
+              <a:t>帶我重回天父懷抱</a:t>
+            </a:r>
+            <a:endParaRPr lang="en-US" altLang="zh-CN" sz="6400" b="1" dirty="0">
+              <a:solidFill>
+                <a:srgbClr val="000066"/>
+              </a:solidFill>
+              <a:latin typeface="微軟正黑體" pitchFamily="34" charset="-120"/>
+              <a:ea typeface="微軟正黑體" pitchFamily="34" charset="-120"/>
+            </a:endParaRPr>
+          </a:p>
+          <a:p>
+            <a:pPr algn="ctr">
+              <a:buNone/>
+            </a:pPr>
+            <a:r>
+              <a:rPr lang="zh-CN" altLang="en-US" sz="6400" b="1" dirty="0">
+                <a:solidFill>
+                  <a:srgbClr val="000066"/>
+                </a:solidFill>
+                <a:latin typeface="微軟正黑體" pitchFamily="34" charset="-120"/>
+                <a:ea typeface="微軟正黑體" pitchFamily="34" charset="-120"/>
+              </a:rPr>
+              <a:t>在永恆裡我不停歌唱</a:t>
+            </a:r>
+            <a:endParaRPr lang="en-US" altLang="zh-CN" sz="6400" b="1" dirty="0">
               <a:solidFill>
                 <a:srgbClr val="000066"/>
               </a:solidFill>
@@ -5161,7 +5187,7 @@
     </p:spTree>
     <p:extLst>
       <p:ext uri="{BB962C8B-B14F-4D97-AF65-F5344CB8AC3E}">
-        <p14:creationId xmlns:p14="http://schemas.microsoft.com/office/powerpoint/2010/main" val="2496350833"/>
+        <p14:creationId xmlns:p14="http://schemas.microsoft.com/office/powerpoint/2010/main" val="3278580276"/>
       </p:ext>
     </p:extLst>
   </p:cSld>
@@ -5221,31 +5247,9 @@
                 <a:latin typeface="微軟正黑體" pitchFamily="34" charset="-120"/>
                 <a:ea typeface="微軟正黑體" pitchFamily="34" charset="-120"/>
               </a:rPr>
-              <a:t>帶我重回天父懷抱</a:t>
-            </a:r>
-            <a:endParaRPr lang="en-US" altLang="zh-CN" sz="6400" b="1" dirty="0">
-              <a:solidFill>
-                <a:srgbClr val="000066"/>
-              </a:solidFill>
-              <a:latin typeface="微軟正黑體" pitchFamily="34" charset="-120"/>
-              <a:ea typeface="微軟正黑體" pitchFamily="34" charset="-120"/>
-            </a:endParaRPr>
-          </a:p>
-          <a:p>
-            <a:pPr algn="ctr">
-              <a:buNone/>
-            </a:pPr>
-            <a:r>
-              <a:rPr lang="zh-CN" altLang="en-US" sz="6400" b="1" dirty="0">
-                <a:solidFill>
-                  <a:srgbClr val="000066"/>
-                </a:solidFill>
-                <a:latin typeface="微軟正黑體" pitchFamily="34" charset="-120"/>
-                <a:ea typeface="微軟正黑體" pitchFamily="34" charset="-120"/>
-              </a:rPr>
-              <a:t>在永恆裡我不停歌唱</a:t>
-            </a:r>
-            <a:endParaRPr lang="en-US" altLang="zh-CN" sz="6400" b="1" dirty="0">
+              <a:t>十架的愛</a:t>
+            </a:r>
+            <a:endParaRPr lang="zh-TW" altLang="en-US" sz="6400" b="1" dirty="0">
               <a:solidFill>
                 <a:srgbClr val="000066"/>
               </a:solidFill>
@@ -5289,14 +5293,24 @@
               <a:t>( </a:t>
             </a:r>
             <a:r>
-              <a:rPr lang="zh-CN" altLang="en-US" sz="3200" b="1" dirty="0">
-                <a:solidFill>
-                  <a:srgbClr val="000066"/>
-                </a:solidFill>
-                <a:latin typeface="Microsoft JhengHei" panose="020B0604030504040204" pitchFamily="34" charset="-120"/>
-                <a:ea typeface="Microsoft JhengHei" panose="020B0604030504040204" pitchFamily="34" charset="-120"/>
-              </a:rPr>
-              <a:t>副</a:t>
+              <a:rPr lang="zh-CN" altLang="en-US" sz="3200" b="1" dirty="0" smtClean="0">
+                <a:solidFill>
+                  <a:srgbClr val="000066"/>
+                </a:solidFill>
+                <a:latin typeface="Microsoft JhengHei" panose="020B0604030504040204" pitchFamily="34" charset="-120"/>
+                <a:ea typeface="Microsoft JhengHei" panose="020B0604030504040204" pitchFamily="34" charset="-120"/>
+              </a:rPr>
+              <a:t>結束</a:t>
+            </a:r>
+            <a:r>
+              <a:rPr lang="en-US" sz="3200" b="1" dirty="0" smtClean="0">
+                <a:solidFill>
+                  <a:srgbClr val="000066"/>
+                </a:solidFill>
+                <a:latin typeface="Microsoft JhengHei" panose="020B0604030504040204" pitchFamily="34" charset="-120"/>
+                <a:ea typeface="Microsoft JhengHei" panose="020B0604030504040204" pitchFamily="34" charset="-120"/>
+              </a:rPr>
+              <a:t> </a:t>
             </a:r>
             <a:r>
               <a:rPr lang="en-US" sz="3200" b="1" dirty="0">
@@ -5306,7 +5320,7 @@
                 <a:latin typeface="Microsoft JhengHei" panose="020B0604030504040204" pitchFamily="34" charset="-120"/>
                 <a:ea typeface="Microsoft JhengHei" panose="020B0604030504040204" pitchFamily="34" charset="-120"/>
               </a:rPr>
-              <a:t> )</a:t>
+              <a:t>)</a:t>
             </a:r>
             <a:endParaRPr lang="vi-VN" sz="3200" b="1" dirty="0">
               <a:solidFill>
@@ -5321,7 +5335,7 @@
     </p:spTree>
     <p:extLst>
       <p:ext uri="{BB962C8B-B14F-4D97-AF65-F5344CB8AC3E}">
-        <p14:creationId xmlns:p14="http://schemas.microsoft.com/office/powerpoint/2010/main" val="3278580276"/>
+        <p14:creationId xmlns:p14="http://schemas.microsoft.com/office/powerpoint/2010/main" val="4200055537"/>
       </p:ext>
     </p:extLst>
   </p:cSld>
@@ -5350,126 +5364,50 @@
       </p:grpSpPr>
       <p:sp>
         <p:nvSpPr>
-          <p:cNvPr id="5" name="內容版面配置區 4"/>
-          <p:cNvSpPr>
-            <a:spLocks noGrp="1"/>
-          </p:cNvSpPr>
-          <p:nvPr>
-            <p:ph idx="1"/>
+          <p:cNvPr id="4" name="標題 3"/>
+          <p:cNvSpPr>
+            <a:spLocks noGrp="1"/>
+          </p:cNvSpPr>
+          <p:nvPr>
+            <p:ph type="title"/>
           </p:nvPr>
         </p:nvSpPr>
         <p:spPr>
           <a:xfrm>
-            <a:off x="0" y="2084853"/>
-            <a:ext cx="12192000" cy="2404863"/>
+            <a:off x="0" y="2857513"/>
+            <a:ext cx="12192000" cy="1143000"/>
           </a:xfrm>
         </p:spPr>
         <p:txBody>
-          <a:bodyPr anchor="ctr">
-            <a:normAutofit/>
+          <a:bodyPr>
+            <a:noAutofit/>
           </a:bodyPr>
           <a:lstStyle/>
           <a:p>
-            <a:pPr algn="ctr">
-              <a:buNone/>
-            </a:pPr>
-            <a:r>
-              <a:rPr lang="zh-CN" altLang="en-US" sz="6400" b="1" dirty="0">
-                <a:solidFill>
-                  <a:srgbClr val="000066"/>
-                </a:solidFill>
-                <a:latin typeface="微軟正黑體" pitchFamily="34" charset="-120"/>
-                <a:ea typeface="微軟正黑體" pitchFamily="34" charset="-120"/>
-              </a:rPr>
-              <a:t>十架的愛</a:t>
-            </a:r>
-            <a:endParaRPr lang="zh-TW" altLang="en-US" sz="6400" b="1" dirty="0">
-              <a:solidFill>
-                <a:srgbClr val="000066"/>
-              </a:solidFill>
-              <a:latin typeface="微軟正黑體" pitchFamily="34" charset="-120"/>
-              <a:ea typeface="微軟正黑體" pitchFamily="34" charset="-120"/>
-            </a:endParaRPr>
-          </a:p>
-        </p:txBody>
-      </p:sp>
-      <p:sp>
-        <p:nvSpPr>
-          <p:cNvPr id="3" name="TextBox 2"/>
-          <p:cNvSpPr txBox="1"/>
-          <p:nvPr/>
-        </p:nvSpPr>
-        <p:spPr>
-          <a:xfrm>
-            <a:off x="179" y="5465553"/>
-            <a:ext cx="12191823" cy="584775"/>
-          </a:xfrm>
-          <a:prstGeom prst="rect">
-            <a:avLst/>
-          </a:prstGeom>
-          <a:noFill/>
-        </p:spPr>
-        <p:txBody>
-          <a:bodyPr wrap="square" rtlCol="0" anchor="ctr">
-            <a:spAutoFit/>
-          </a:bodyPr>
-          <a:lstStyle/>
-          <a:p>
-            <a:pPr algn="ctr"/>
-            <a:r>
-              <a:rPr lang="en-US" sz="3200" b="1" dirty="0">
-                <a:solidFill>
-                  <a:srgbClr val="000066"/>
-                </a:solidFill>
-                <a:latin typeface="Microsoft JhengHei" panose="020B0604030504040204" pitchFamily="34" charset="-120"/>
-                <a:ea typeface="Microsoft JhengHei" panose="020B0604030504040204" pitchFamily="34" charset="-120"/>
-              </a:rPr>
-              <a:t>( </a:t>
-            </a:r>
-            <a:r>
-              <a:rPr lang="zh-CN" altLang="en-US" sz="3200" b="1" dirty="0" smtClean="0">
-                <a:solidFill>
-                  <a:srgbClr val="000066"/>
-                </a:solidFill>
-                <a:latin typeface="Microsoft JhengHei" panose="020B0604030504040204" pitchFamily="34" charset="-120"/>
-                <a:ea typeface="Microsoft JhengHei" panose="020B0604030504040204" pitchFamily="34" charset="-120"/>
-              </a:rPr>
-              <a:t>結束</a:t>
-            </a:r>
-            <a:r>
-              <a:rPr lang="en-US" sz="3200" b="1" dirty="0" smtClean="0">
-                <a:solidFill>
-                  <a:srgbClr val="000066"/>
-                </a:solidFill>
-                <a:latin typeface="Microsoft JhengHei" panose="020B0604030504040204" pitchFamily="34" charset="-120"/>
-                <a:ea typeface="Microsoft JhengHei" panose="020B0604030504040204" pitchFamily="34" charset="-120"/>
-              </a:rPr>
-              <a:t> </a:t>
-            </a:r>
-            <a:r>
-              <a:rPr lang="en-US" sz="3200" b="1" dirty="0">
-                <a:solidFill>
-                  <a:srgbClr val="000066"/>
-                </a:solidFill>
-                <a:latin typeface="Microsoft JhengHei" panose="020B0604030504040204" pitchFamily="34" charset="-120"/>
-                <a:ea typeface="Microsoft JhengHei" panose="020B0604030504040204" pitchFamily="34" charset="-120"/>
-              </a:rPr>
-              <a:t>)</a:t>
-            </a:r>
-            <a:endParaRPr lang="vi-VN" sz="3200" b="1" dirty="0">
-              <a:solidFill>
-                <a:srgbClr val="000066"/>
-              </a:solidFill>
-              <a:latin typeface="Microsoft JhengHei" panose="020B0604030504040204" pitchFamily="34" charset="-120"/>
-              <a:ea typeface="Microsoft JhengHei" panose="020B0604030504040204" pitchFamily="34" charset="-120"/>
-            </a:endParaRPr>
+            <a:r>
+              <a:rPr lang="zh-TW" altLang="en-US" sz="7200" b="1" i="1" dirty="0">
+                <a:solidFill>
+                  <a:srgbClr val="660033"/>
+                </a:solidFill>
+                <a:effectLst>
+                  <a:outerShdw blurRad="38100" dist="38100" dir="2700000" algn="tl">
+                    <a:srgbClr val="000000">
+                      <a:alpha val="43137"/>
+                    </a:srgbClr>
+                  </a:outerShdw>
+                </a:effectLst>
+                <a:latin typeface="微軟正黑體" pitchFamily="34" charset="-120"/>
+                <a:ea typeface="微軟正黑體" pitchFamily="34" charset="-120"/>
+              </a:rPr>
+              <a:t>寶貴十架</a:t>
+            </a:r>
           </a:p>
         </p:txBody>
       </p:sp>
     </p:spTree>
     <p:extLst>
       <p:ext uri="{BB962C8B-B14F-4D97-AF65-F5344CB8AC3E}">
-        <p14:creationId xmlns:p14="http://schemas.microsoft.com/office/powerpoint/2010/main" val="4200055537"/>
+        <p14:creationId xmlns:p14="http://schemas.microsoft.com/office/powerpoint/2010/main" val="2574920276"/>
       </p:ext>
     </p:extLst>
   </p:cSld>
@@ -5498,50 +5436,180 @@
       </p:grpSpPr>
       <p:sp>
         <p:nvSpPr>
-          <p:cNvPr id="4" name="標題 3"/>
-          <p:cNvSpPr>
-            <a:spLocks noGrp="1"/>
-          </p:cNvSpPr>
-          <p:nvPr>
-            <p:ph type="title"/>
+          <p:cNvPr id="5" name="內容版面配置區 4"/>
+          <p:cNvSpPr>
+            <a:spLocks noGrp="1"/>
+          </p:cNvSpPr>
+          <p:nvPr>
+            <p:ph idx="1"/>
           </p:nvPr>
         </p:nvSpPr>
         <p:spPr>
           <a:xfrm>
-            <a:off x="0" y="2857513"/>
-            <a:ext cx="12192000" cy="1143000"/>
+            <a:off x="0" y="2084853"/>
+            <a:ext cx="12192000" cy="2404863"/>
           </a:xfrm>
         </p:spPr>
         <p:txBody>
-          <a:bodyPr>
-            <a:noAutofit/>
+          <a:bodyPr anchor="ctr">
+            <a:normAutofit/>
           </a:bodyPr>
           <a:lstStyle/>
           <a:p>
-            <a:r>
-              <a:rPr lang="zh-TW" altLang="en-US" sz="7200" b="1" i="1" dirty="0">
-                <a:solidFill>
-                  <a:srgbClr val="660033"/>
-                </a:solidFill>
-                <a:effectLst>
-                  <a:outerShdw blurRad="38100" dist="38100" dir="2700000" algn="tl">
-                    <a:srgbClr val="000000">
-                      <a:alpha val="43137"/>
-                    </a:srgbClr>
-                  </a:outerShdw>
-                </a:effectLst>
-                <a:latin typeface="微軟正黑體" pitchFamily="34" charset="-120"/>
-                <a:ea typeface="微軟正黑體" pitchFamily="34" charset="-120"/>
-              </a:rPr>
-              <a:t>寶貴十架</a:t>
-            </a:r>
+            <a:pPr algn="ctr">
+              <a:buNone/>
+            </a:pPr>
+            <a:r>
+              <a:rPr lang="zh-TW" altLang="en-US" sz="6400" b="1" dirty="0">
+                <a:solidFill>
+                  <a:srgbClr val="660033"/>
+                </a:solidFill>
+                <a:latin typeface="微軟正黑體" pitchFamily="34" charset="-120"/>
+                <a:ea typeface="微軟正黑體" pitchFamily="34" charset="-120"/>
+              </a:rPr>
+              <a:t>主耶穌  我感</a:t>
+            </a:r>
+            <a:r>
+              <a:rPr lang="zh-TW" altLang="en-US" sz="6400" b="1" dirty="0" smtClean="0">
+                <a:solidFill>
+                  <a:srgbClr val="660033"/>
+                </a:solidFill>
+                <a:latin typeface="微軟正黑體" pitchFamily="34" charset="-120"/>
+                <a:ea typeface="微軟正黑體" pitchFamily="34" charset="-120"/>
+              </a:rPr>
+              <a:t>謝</a:t>
+            </a:r>
+            <a:r>
+              <a:rPr lang="zh-CN" altLang="en-US" sz="6400" b="1" dirty="0">
+                <a:solidFill>
+                  <a:srgbClr val="660033"/>
+                </a:solidFill>
+                <a:latin typeface="微軟正黑體" pitchFamily="34" charset="-120"/>
+                <a:ea typeface="微軟正黑體" pitchFamily="34" charset="-120"/>
+              </a:rPr>
+              <a:t>祢</a:t>
+            </a:r>
+            <a:endParaRPr lang="zh-TW" altLang="en-US" sz="6400" b="1" dirty="0">
+              <a:solidFill>
+                <a:srgbClr val="660033"/>
+              </a:solidFill>
+              <a:latin typeface="微軟正黑體" pitchFamily="34" charset="-120"/>
+              <a:ea typeface="微軟正黑體" pitchFamily="34" charset="-120"/>
+            </a:endParaRPr>
+          </a:p>
+          <a:p>
+            <a:pPr algn="ctr">
+              <a:buNone/>
+            </a:pPr>
+            <a:r>
+              <a:rPr lang="zh-CN" altLang="en-US" sz="6400" b="1" dirty="0">
+                <a:solidFill>
+                  <a:srgbClr val="660033"/>
+                </a:solidFill>
+                <a:latin typeface="微軟正黑體" pitchFamily="34" charset="-120"/>
+                <a:ea typeface="微軟正黑體" pitchFamily="34" charset="-120"/>
+              </a:rPr>
+              <a:t>祢</a:t>
+            </a:r>
+            <a:r>
+              <a:rPr lang="zh-TW" altLang="en-US" sz="6400" b="1" dirty="0" smtClean="0">
+                <a:solidFill>
+                  <a:srgbClr val="660033"/>
+                </a:solidFill>
+                <a:latin typeface="微軟正黑體" pitchFamily="34" charset="-120"/>
+                <a:ea typeface="微軟正黑體" pitchFamily="34" charset="-120"/>
+              </a:rPr>
+              <a:t>的</a:t>
+            </a:r>
+            <a:r>
+              <a:rPr lang="zh-TW" altLang="en-US" sz="6400" b="1" dirty="0">
+                <a:solidFill>
+                  <a:srgbClr val="660033"/>
+                </a:solidFill>
+                <a:latin typeface="微軟正黑體" pitchFamily="34" charset="-120"/>
+                <a:ea typeface="微軟正黑體" pitchFamily="34" charset="-120"/>
+              </a:rPr>
+              <a:t>身體  為我而捨</a:t>
+            </a:r>
+          </a:p>
+        </p:txBody>
+      </p:sp>
+      <p:sp>
+        <p:nvSpPr>
+          <p:cNvPr id="3" name="TextBox 2"/>
+          <p:cNvSpPr txBox="1"/>
+          <p:nvPr/>
+        </p:nvSpPr>
+        <p:spPr>
+          <a:xfrm>
+            <a:off x="17529" y="5157192"/>
+            <a:ext cx="12192000" cy="646331"/>
+          </a:xfrm>
+          <a:prstGeom prst="rect">
+            <a:avLst/>
+          </a:prstGeom>
+          <a:noFill/>
+        </p:spPr>
+        <p:txBody>
+          <a:bodyPr wrap="square" rtlCol="0">
+            <a:spAutoFit/>
+          </a:bodyPr>
+          <a:lstStyle/>
+          <a:p>
+            <a:pPr algn="ctr"/>
+            <a:r>
+              <a:rPr lang="en-US" sz="3600" b="1" dirty="0" smtClean="0">
+                <a:solidFill>
+                  <a:srgbClr val="660033"/>
+                </a:solidFill>
+                <a:latin typeface="Microsoft JhengHei" panose="020B0604030504040204" pitchFamily="34" charset="-120"/>
+                <a:ea typeface="Microsoft JhengHei" panose="020B0604030504040204" pitchFamily="34" charset="-120"/>
+              </a:rPr>
+              <a:t>( </a:t>
+            </a:r>
+            <a:r>
+              <a:rPr lang="zh-CN" altLang="en-US" sz="3600" b="1" dirty="0" smtClean="0">
+                <a:solidFill>
+                  <a:srgbClr val="660033"/>
+                </a:solidFill>
+                <a:latin typeface="Microsoft JhengHei" panose="020B0604030504040204" pitchFamily="34" charset="-120"/>
+                <a:ea typeface="Microsoft JhengHei" panose="020B0604030504040204" pitchFamily="34" charset="-120"/>
+              </a:rPr>
+              <a:t>正</a:t>
+            </a:r>
+            <a:r>
+              <a:rPr lang="en-US" altLang="zh-CN" sz="3600" b="1" dirty="0" smtClean="0">
+                <a:solidFill>
+                  <a:srgbClr val="660033"/>
+                </a:solidFill>
+                <a:latin typeface="Microsoft JhengHei" panose="020B0604030504040204" pitchFamily="34" charset="-120"/>
+                <a:ea typeface="Microsoft JhengHei" panose="020B0604030504040204" pitchFamily="34" charset="-120"/>
+              </a:rPr>
+              <a:t> 1</a:t>
+            </a:r>
+            <a:r>
+              <a:rPr lang="en-US" sz="3600" b="1" dirty="0" smtClean="0">
+                <a:solidFill>
+                  <a:srgbClr val="660033"/>
+                </a:solidFill>
+                <a:latin typeface="Microsoft JhengHei" panose="020B0604030504040204" pitchFamily="34" charset="-120"/>
+                <a:ea typeface="Microsoft JhengHei" panose="020B0604030504040204" pitchFamily="34" charset="-120"/>
+              </a:rPr>
+              <a:t> )</a:t>
+            </a:r>
+            <a:endParaRPr lang="vi-VN" sz="3600" b="1" dirty="0">
+              <a:solidFill>
+                <a:srgbClr val="660033"/>
+              </a:solidFill>
+              <a:ea typeface="Microsoft JhengHei" panose="020B0604030504040204" pitchFamily="34" charset="-120"/>
+            </a:endParaRPr>
           </a:p>
         </p:txBody>
       </p:sp>
     </p:spTree>
     <p:extLst>
       <p:ext uri="{BB962C8B-B14F-4D97-AF65-F5344CB8AC3E}">
-        <p14:creationId xmlns:p14="http://schemas.microsoft.com/office/powerpoint/2010/main" val="2574920276"/>
+        <p14:creationId xmlns:p14="http://schemas.microsoft.com/office/powerpoint/2010/main" val="149302499"/>
       </p:ext>
     </p:extLst>
   </p:cSld>
@@ -5601,17 +5669,7 @@
                 <a:latin typeface="微軟正黑體" pitchFamily="34" charset="-120"/>
                 <a:ea typeface="微軟正黑體" pitchFamily="34" charset="-120"/>
               </a:rPr>
-              <a:t>主耶穌  我感</a:t>
-            </a:r>
-            <a:r>
-              <a:rPr lang="zh-TW" altLang="en-US" sz="6400" b="1" dirty="0" smtClean="0">
-                <a:solidFill>
-                  <a:srgbClr val="660033"/>
-                </a:solidFill>
-                <a:latin typeface="微軟正黑體" pitchFamily="34" charset="-120"/>
-                <a:ea typeface="微軟正黑體" pitchFamily="34" charset="-120"/>
-              </a:rPr>
-              <a:t>謝</a:t>
+              <a:t>帶我出黑暗  進</a:t>
             </a:r>
             <a:r>
               <a:rPr lang="zh-CN" altLang="en-US" sz="6400" b="1" dirty="0">
@@ -5621,41 +5679,24 @@
                 <a:latin typeface="微軟正黑體" pitchFamily="34" charset="-120"/>
                 <a:ea typeface="微軟正黑體" pitchFamily="34" charset="-120"/>
               </a:rPr>
-              <a:t>祢</a:t>
-            </a:r>
-            <a:endParaRPr lang="zh-TW" altLang="en-US" sz="6400" b="1" dirty="0">
-              <a:solidFill>
-                <a:srgbClr val="660033"/>
-              </a:solidFill>
-              <a:latin typeface="微軟正黑體" pitchFamily="34" charset="-120"/>
-              <a:ea typeface="微軟正黑體" pitchFamily="34" charset="-120"/>
-            </a:endParaRPr>
+              <a:t>入</a:t>
+            </a:r>
+            <a:r>
+              <a:rPr lang="zh-TW" altLang="en-US" sz="6400" b="1" dirty="0">
+                <a:solidFill>
+                  <a:srgbClr val="660033"/>
+                </a:solidFill>
+                <a:latin typeface="微軟正黑體" pitchFamily="34" charset="-120"/>
+                <a:ea typeface="微軟正黑體" pitchFamily="34" charset="-120"/>
+              </a:rPr>
+              <a:t>光明國度</a:t>
+            </a:r>
           </a:p>
           <a:p>
             <a:pPr algn="ctr">
               <a:buNone/>
             </a:pPr>
             <a:r>
-              <a:rPr lang="zh-CN" altLang="en-US" sz="6400" b="1" dirty="0">
-                <a:solidFill>
-                  <a:srgbClr val="660033"/>
-                </a:solidFill>
-                <a:latin typeface="微軟正黑體" pitchFamily="34" charset="-120"/>
-                <a:ea typeface="微軟正黑體" pitchFamily="34" charset="-120"/>
-              </a:rPr>
-              <a:t>祢</a:t>
-            </a:r>
-            <a:r>
-              <a:rPr lang="zh-TW" altLang="en-US" sz="6400" b="1" dirty="0" smtClean="0">
-                <a:solidFill>
-                  <a:srgbClr val="660033"/>
-                </a:solidFill>
-                <a:latin typeface="微軟正黑體" pitchFamily="34" charset="-120"/>
-                <a:ea typeface="微軟正黑體" pitchFamily="34" charset="-120"/>
-              </a:rPr>
-              <a:t>的</a:t>
-            </a:r>
-            <a:r>
               <a:rPr lang="zh-TW" altLang="en-US" sz="6400" b="1" dirty="0">
                 <a:solidFill>
                   <a:srgbClr val="660033"/>
@@ -5663,7 +5704,7 @@
                 <a:latin typeface="微軟正黑體" pitchFamily="34" charset="-120"/>
                 <a:ea typeface="微軟正黑體" pitchFamily="34" charset="-120"/>
               </a:rPr>
-              <a:t>身體  為我而捨</a:t>
+              <a:t>使我再次能看見</a:t>
             </a:r>
           </a:p>
         </p:txBody>
@@ -5692,7 +5733,7 @@
           <a:p>
             <a:pPr algn="ctr"/>
             <a:r>
-              <a:rPr lang="en-US" sz="3600" b="1" dirty="0" smtClean="0">
+              <a:rPr lang="en-US" sz="3600" b="1" dirty="0">
                 <a:solidFill>
                   <a:srgbClr val="660033"/>
                 </a:solidFill>
@@ -5702,7 +5743,7 @@
               <a:t>( </a:t>
             </a:r>
             <a:r>
-              <a:rPr lang="zh-CN" altLang="en-US" sz="3600" b="1" dirty="0" smtClean="0">
+              <a:rPr lang="zh-CN" altLang="en-US" sz="3600" b="1" dirty="0">
                 <a:solidFill>
                   <a:srgbClr val="660033"/>
                 </a:solidFill>
@@ -5712,7 +5753,7 @@
               <a:t>正</a:t>
             </a:r>
             <a:r>
-              <a:rPr lang="en-US" altLang="zh-CN" sz="3600" b="1" dirty="0" smtClean="0">
+              <a:rPr lang="en-US" altLang="zh-CN" sz="3600" b="1" dirty="0">
                 <a:solidFill>
                   <a:srgbClr val="660033"/>
                 </a:solidFill>
@@ -5722,7 +5763,7 @@
               <a:t> 1</a:t>
             </a:r>
             <a:r>
-              <a:rPr lang="en-US" sz="3600" b="1" dirty="0" smtClean="0">
+              <a:rPr lang="en-US" sz="3600" b="1" dirty="0">
                 <a:solidFill>
                   <a:srgbClr val="660033"/>
                 </a:solidFill>
@@ -5743,7 +5784,7 @@
     </p:spTree>
     <p:extLst>
       <p:ext uri="{BB962C8B-B14F-4D97-AF65-F5344CB8AC3E}">
-        <p14:creationId xmlns:p14="http://schemas.microsoft.com/office/powerpoint/2010/main" val="149302499"/>
+        <p14:creationId xmlns:p14="http://schemas.microsoft.com/office/powerpoint/2010/main" val="17813044"/>
       </p:ext>
     </p:extLst>
   </p:cSld>
@@ -5803,7 +5844,17 @@
                 <a:latin typeface="微軟正黑體" pitchFamily="34" charset="-120"/>
                 <a:ea typeface="微軟正黑體" pitchFamily="34" charset="-120"/>
               </a:rPr>
-              <a:t>帶我出黑暗  進</a:t>
+              <a:t>主耶穌  我感</a:t>
+            </a:r>
+            <a:r>
+              <a:rPr lang="zh-TW" altLang="en-US" sz="6400" b="1" dirty="0" smtClean="0">
+                <a:solidFill>
+                  <a:srgbClr val="660033"/>
+                </a:solidFill>
+                <a:latin typeface="微軟正黑體" pitchFamily="34" charset="-120"/>
+                <a:ea typeface="微軟正黑體" pitchFamily="34" charset="-120"/>
+              </a:rPr>
+              <a:t>謝</a:t>
             </a:r>
             <a:r>
               <a:rPr lang="zh-CN" altLang="en-US" sz="6400" b="1" dirty="0">
@@ -5813,7 +5864,39 @@
                 <a:latin typeface="微軟正黑體" pitchFamily="34" charset="-120"/>
                 <a:ea typeface="微軟正黑體" pitchFamily="34" charset="-120"/>
               </a:rPr>
-              <a:t>入</a:t>
+              <a:t>祢</a:t>
+            </a:r>
+            <a:endParaRPr lang="zh-TW" altLang="en-US" sz="6400" b="1" dirty="0">
+              <a:solidFill>
+                <a:srgbClr val="660033"/>
+              </a:solidFill>
+              <a:latin typeface="微軟正黑體" pitchFamily="34" charset="-120"/>
+              <a:ea typeface="微軟正黑體" pitchFamily="34" charset="-120"/>
+            </a:endParaRPr>
+          </a:p>
+          <a:p>
+            <a:pPr algn="ctr">
+              <a:buNone/>
+            </a:pPr>
+            <a:r>
+              <a:rPr lang="zh-CN" altLang="en-US" sz="6400" b="1" dirty="0">
+                <a:solidFill>
+                  <a:srgbClr val="660033"/>
+                </a:solidFill>
+                <a:latin typeface="微軟正黑體" pitchFamily="34" charset="-120"/>
+                <a:ea typeface="微軟正黑體" pitchFamily="34" charset="-120"/>
+              </a:rPr>
+              <a:t>祢</a:t>
+            </a:r>
+            <a:r>
+              <a:rPr lang="zh-TW" altLang="en-US" sz="6400" b="1" dirty="0" smtClean="0">
+                <a:solidFill>
+                  <a:srgbClr val="660033"/>
+                </a:solidFill>
+                <a:latin typeface="微軟正黑體" pitchFamily="34" charset="-120"/>
+                <a:ea typeface="微軟正黑體" pitchFamily="34" charset="-120"/>
+              </a:rPr>
+              <a:t>的</a:t>
             </a:r>
             <a:r>
               <a:rPr lang="zh-TW" altLang="en-US" sz="6400" b="1" dirty="0">
@@ -5823,22 +5906,7 @@
                 <a:latin typeface="微軟正黑體" pitchFamily="34" charset="-120"/>
                 <a:ea typeface="微軟正黑體" pitchFamily="34" charset="-120"/>
               </a:rPr>
-              <a:t>光明國度</a:t>
-            </a:r>
-          </a:p>
-          <a:p>
-            <a:pPr algn="ctr">
-              <a:buNone/>
-            </a:pPr>
-            <a:r>
-              <a:rPr lang="zh-TW" altLang="en-US" sz="6400" b="1" dirty="0">
-                <a:solidFill>
-                  <a:srgbClr val="660033"/>
-                </a:solidFill>
-                <a:latin typeface="微軟正黑體" pitchFamily="34" charset="-120"/>
-                <a:ea typeface="微軟正黑體" pitchFamily="34" charset="-120"/>
-              </a:rPr>
-              <a:t>使我再次能看見</a:t>
+              <a:t>寶血  為我而流</a:t>
             </a:r>
           </a:p>
         </p:txBody>
@@ -5894,7 +5962,27 @@
                 <a:latin typeface="Microsoft JhengHei" panose="020B0604030504040204" pitchFamily="34" charset="-120"/>
                 <a:ea typeface="Microsoft JhengHei" panose="020B0604030504040204" pitchFamily="34" charset="-120"/>
               </a:rPr>
-              <a:t> 1</a:t>
+              <a:t> </a:t>
+            </a:r>
+            <a:r>
+              <a:rPr lang="en-US" altLang="zh-CN" sz="3600" b="1" dirty="0" smtClean="0">
+                <a:solidFill>
+                  <a:srgbClr val="660033"/>
+                </a:solidFill>
+                <a:latin typeface="Microsoft JhengHei" panose="020B0604030504040204" pitchFamily="34" charset="-120"/>
+                <a:ea typeface="Microsoft JhengHei" panose="020B0604030504040204" pitchFamily="34" charset="-120"/>
+              </a:rPr>
+              <a:t>2</a:t>
+            </a:r>
+            <a:r>
+              <a:rPr lang="en-US" sz="3600" b="1" dirty="0" smtClean="0">
+                <a:solidFill>
+                  <a:srgbClr val="660033"/>
+                </a:solidFill>
+                <a:latin typeface="Microsoft JhengHei" panose="020B0604030504040204" pitchFamily="34" charset="-120"/>
+                <a:ea typeface="Microsoft JhengHei" panose="020B0604030504040204" pitchFamily="34" charset="-120"/>
+              </a:rPr>
+              <a:t> </a:t>
             </a:r>
             <a:r>
               <a:rPr lang="en-US" sz="3600" b="1" dirty="0">
@@ -5904,7 +5992,7 @@
                 <a:latin typeface="Microsoft JhengHei" panose="020B0604030504040204" pitchFamily="34" charset="-120"/>
                 <a:ea typeface="Microsoft JhengHei" panose="020B0604030504040204" pitchFamily="34" charset="-120"/>
               </a:rPr>
-              <a:t> )</a:t>
+              <a:t>)</a:t>
             </a:r>
             <a:endParaRPr lang="vi-VN" sz="3600" b="1" dirty="0">
               <a:solidFill>
@@ -5918,7 +6006,7 @@
     </p:spTree>
     <p:extLst>
       <p:ext uri="{BB962C8B-B14F-4D97-AF65-F5344CB8AC3E}">
-        <p14:creationId xmlns:p14="http://schemas.microsoft.com/office/powerpoint/2010/main" val="17813044"/>
+        <p14:creationId xmlns:p14="http://schemas.microsoft.com/office/powerpoint/2010/main" val="1776121510"/>
       </p:ext>
     </p:extLst>
   </p:cSld>
@@ -5978,61 +6066,14 @@
                 <a:latin typeface="微軟正黑體" pitchFamily="34" charset="-120"/>
                 <a:ea typeface="微軟正黑體" pitchFamily="34" charset="-120"/>
               </a:rPr>
-              <a:t>主耶穌  我感</a:t>
-            </a:r>
-            <a:r>
-              <a:rPr lang="zh-TW" altLang="en-US" sz="6400" b="1" dirty="0" smtClean="0">
-                <a:solidFill>
-                  <a:srgbClr val="660033"/>
-                </a:solidFill>
-                <a:latin typeface="微軟正黑體" pitchFamily="34" charset="-120"/>
-                <a:ea typeface="微軟正黑體" pitchFamily="34" charset="-120"/>
-              </a:rPr>
-              <a:t>謝</a:t>
-            </a:r>
-            <a:r>
-              <a:rPr lang="zh-CN" altLang="en-US" sz="6400" b="1" dirty="0">
-                <a:solidFill>
-                  <a:srgbClr val="660033"/>
-                </a:solidFill>
-                <a:latin typeface="微軟正黑體" pitchFamily="34" charset="-120"/>
-                <a:ea typeface="微軟正黑體" pitchFamily="34" charset="-120"/>
-              </a:rPr>
-              <a:t>祢</a:t>
-            </a:r>
-            <a:endParaRPr lang="zh-TW" altLang="en-US" sz="6400" b="1" dirty="0">
-              <a:solidFill>
-                <a:srgbClr val="660033"/>
-              </a:solidFill>
-              <a:latin typeface="微軟正黑體" pitchFamily="34" charset="-120"/>
-              <a:ea typeface="微軟正黑體" pitchFamily="34" charset="-120"/>
-            </a:endParaRPr>
+              <a:t>寶貴十架上  醫治恩典湧流</a:t>
+            </a:r>
           </a:p>
           <a:p>
             <a:pPr algn="ctr">
               <a:buNone/>
             </a:pPr>
             <a:r>
-              <a:rPr lang="zh-CN" altLang="en-US" sz="6400" b="1" dirty="0">
-                <a:solidFill>
-                  <a:srgbClr val="660033"/>
-                </a:solidFill>
-                <a:latin typeface="微軟正黑體" pitchFamily="34" charset="-120"/>
-                <a:ea typeface="微軟正黑體" pitchFamily="34" charset="-120"/>
-              </a:rPr>
-              <a:t>祢</a:t>
-            </a:r>
-            <a:r>
-              <a:rPr lang="zh-TW" altLang="en-US" sz="6400" b="1" dirty="0" smtClean="0">
-                <a:solidFill>
-                  <a:srgbClr val="660033"/>
-                </a:solidFill>
-                <a:latin typeface="微軟正黑體" pitchFamily="34" charset="-120"/>
-                <a:ea typeface="微軟正黑體" pitchFamily="34" charset="-120"/>
-              </a:rPr>
-              <a:t>的</a:t>
-            </a:r>
-            <a:r>
               <a:rPr lang="zh-TW" altLang="en-US" sz="6400" b="1" dirty="0">
                 <a:solidFill>
                   <a:srgbClr val="660033"/>
@@ -6040,7 +6081,7 @@
                 <a:latin typeface="微軟正黑體" pitchFamily="34" charset="-120"/>
                 <a:ea typeface="微軟正黑體" pitchFamily="34" charset="-120"/>
               </a:rPr>
-              <a:t>寶血  為我而流</a:t>
+              <a:t>使我完全得自由</a:t>
             </a:r>
           </a:p>
         </p:txBody>
@@ -6096,27 +6137,7 @@
                 <a:latin typeface="Microsoft JhengHei" panose="020B0604030504040204" pitchFamily="34" charset="-120"/>
                 <a:ea typeface="Microsoft JhengHei" panose="020B0604030504040204" pitchFamily="34" charset="-120"/>
               </a:rPr>
-              <a:t> </a:t>
-            </a:r>
-            <a:r>
-              <a:rPr lang="en-US" altLang="zh-CN" sz="3600" b="1" dirty="0" smtClean="0">
-                <a:solidFill>
-                  <a:srgbClr val="660033"/>
-                </a:solidFill>
-                <a:latin typeface="Microsoft JhengHei" panose="020B0604030504040204" pitchFamily="34" charset="-120"/>
-                <a:ea typeface="Microsoft JhengHei" panose="020B0604030504040204" pitchFamily="34" charset="-120"/>
-              </a:rPr>
-              <a:t>2</a:t>
-            </a:r>
-            <a:r>
-              <a:rPr lang="en-US" sz="3600" b="1" dirty="0" smtClean="0">
-                <a:solidFill>
-                  <a:srgbClr val="660033"/>
-                </a:solidFill>
-                <a:latin typeface="Microsoft JhengHei" panose="020B0604030504040204" pitchFamily="34" charset="-120"/>
-                <a:ea typeface="Microsoft JhengHei" panose="020B0604030504040204" pitchFamily="34" charset="-120"/>
-              </a:rPr>
-              <a:t> </a:t>
+              <a:t> 2</a:t>
             </a:r>
             <a:r>
               <a:rPr lang="en-US" sz="3600" b="1" dirty="0">
@@ -6126,7 +6147,7 @@
                 <a:latin typeface="Microsoft JhengHei" panose="020B0604030504040204" pitchFamily="34" charset="-120"/>
                 <a:ea typeface="Microsoft JhengHei" panose="020B0604030504040204" pitchFamily="34" charset="-120"/>
               </a:rPr>
-              <a:t>)</a:t>
+              <a:t> )</a:t>
             </a:r>
             <a:endParaRPr lang="vi-VN" sz="3600" b="1" dirty="0">
               <a:solidFill>
@@ -6140,7 +6161,7 @@
     </p:spTree>
     <p:extLst>
       <p:ext uri="{BB962C8B-B14F-4D97-AF65-F5344CB8AC3E}">
-        <p14:creationId xmlns:p14="http://schemas.microsoft.com/office/powerpoint/2010/main" val="1776121510"/>
+        <p14:creationId xmlns:p14="http://schemas.microsoft.com/office/powerpoint/2010/main" val="449688911"/>
       </p:ext>
     </p:extLst>
   </p:cSld>
@@ -6200,7 +6221,7 @@
                 <a:latin typeface="微軟正黑體" pitchFamily="34" charset="-120"/>
                 <a:ea typeface="微軟正黑體" pitchFamily="34" charset="-120"/>
               </a:rPr>
-              <a:t>寶貴十架上  醫治恩典湧流</a:t>
+              <a:t>寶貴十架的大能賜我生命</a:t>
             </a:r>
           </a:p>
           <a:p>
@@ -6215,8 +6236,35 @@
                 <a:latin typeface="微軟正黑體" pitchFamily="34" charset="-120"/>
                 <a:ea typeface="微軟正黑體" pitchFamily="34" charset="-120"/>
               </a:rPr>
-              <a:t>使我完全得自由</a:t>
-            </a:r>
+              <a:t>主耶穌  我俯伏敬</a:t>
+            </a:r>
+            <a:r>
+              <a:rPr lang="zh-TW" altLang="en-US" sz="6400" b="1" dirty="0" smtClean="0">
+                <a:solidFill>
+                  <a:srgbClr val="660033"/>
+                </a:solidFill>
+                <a:latin typeface="微軟正黑體" pitchFamily="34" charset="-120"/>
+                <a:ea typeface="微軟正黑體" pitchFamily="34" charset="-120"/>
+              </a:rPr>
+              <a:t>拜</a:t>
+            </a:r>
+            <a:r>
+              <a:rPr lang="zh-CN" altLang="en-US" sz="6400" b="1" dirty="0">
+                <a:solidFill>
+                  <a:srgbClr val="660033"/>
+                </a:solidFill>
+                <a:latin typeface="微軟正黑體" pitchFamily="34" charset="-120"/>
+                <a:ea typeface="微軟正黑體" pitchFamily="34" charset="-120"/>
+              </a:rPr>
+              <a:t>祢</a:t>
+            </a:r>
+            <a:endParaRPr lang="zh-TW" altLang="en-US" sz="6400" b="1" dirty="0">
+              <a:solidFill>
+                <a:srgbClr val="660033"/>
+              </a:solidFill>
+              <a:latin typeface="微軟正黑體" pitchFamily="34" charset="-120"/>
+              <a:ea typeface="微軟正黑體" pitchFamily="34" charset="-120"/>
+            </a:endParaRPr>
           </a:p>
         </p:txBody>
       </p:sp>
@@ -6244,7 +6292,7 @@
           <a:p>
             <a:pPr algn="ctr"/>
             <a:r>
-              <a:rPr lang="en-US" sz="3600" b="1" dirty="0">
+              <a:rPr lang="en-US" sz="3600" b="1" dirty="0" smtClean="0">
                 <a:solidFill>
                   <a:srgbClr val="660033"/>
                 </a:solidFill>
@@ -6254,27 +6302,17 @@
               <a:t>( </a:t>
             </a:r>
             <a:r>
-              <a:rPr lang="zh-CN" altLang="en-US" sz="3600" b="1" dirty="0">
-                <a:solidFill>
-                  <a:srgbClr val="660033"/>
-                </a:solidFill>
-                <a:latin typeface="Microsoft JhengHei" panose="020B0604030504040204" pitchFamily="34" charset="-120"/>
-                <a:ea typeface="Microsoft JhengHei" panose="020B0604030504040204" pitchFamily="34" charset="-120"/>
-              </a:rPr>
-              <a:t>正</a:t>
-            </a:r>
-            <a:r>
-              <a:rPr lang="en-US" altLang="zh-CN" sz="3600" b="1" dirty="0">
-                <a:solidFill>
-                  <a:srgbClr val="660033"/>
-                </a:solidFill>
-                <a:latin typeface="Microsoft JhengHei" panose="020B0604030504040204" pitchFamily="34" charset="-120"/>
-                <a:ea typeface="Microsoft JhengHei" panose="020B0604030504040204" pitchFamily="34" charset="-120"/>
-              </a:rPr>
-              <a:t> 2</a:t>
-            </a:r>
-            <a:r>
-              <a:rPr lang="en-US" sz="3600" b="1" dirty="0">
+              <a:rPr lang="zh-CN" altLang="en-US" sz="3600" b="1" dirty="0" smtClean="0">
+                <a:solidFill>
+                  <a:srgbClr val="660033"/>
+                </a:solidFill>
+                <a:latin typeface="Microsoft JhengHei" panose="020B0604030504040204" pitchFamily="34" charset="-120"/>
+                <a:ea typeface="Microsoft JhengHei" panose="020B0604030504040204" pitchFamily="34" charset="-120"/>
+              </a:rPr>
+              <a:t>副</a:t>
+            </a:r>
+            <a:r>
+              <a:rPr lang="en-US" sz="3600" b="1" dirty="0" smtClean="0">
                 <a:solidFill>
                   <a:srgbClr val="660033"/>
                 </a:solidFill>
@@ -6295,7 +6333,7 @@
     </p:spTree>
     <p:extLst>
       <p:ext uri="{BB962C8B-B14F-4D97-AF65-F5344CB8AC3E}">
-        <p14:creationId xmlns:p14="http://schemas.microsoft.com/office/powerpoint/2010/main" val="449688911"/>
+        <p14:creationId xmlns:p14="http://schemas.microsoft.com/office/powerpoint/2010/main" val="4282227719"/>
       </p:ext>
     </p:extLst>
   </p:cSld>
@@ -6355,7 +6393,47 @@
                 <a:latin typeface="微軟正黑體" pitchFamily="34" charset="-120"/>
                 <a:ea typeface="微軟正黑體" pitchFamily="34" charset="-120"/>
               </a:rPr>
-              <a:t>寶貴十架的大能賜我生命</a:t>
+              <a:t>寶貴十架的救恩  </a:t>
+            </a:r>
+            <a:r>
+              <a:rPr lang="zh-TW" altLang="en-US" sz="6400" b="1" dirty="0" smtClean="0">
+                <a:solidFill>
+                  <a:srgbClr val="660033"/>
+                </a:solidFill>
+                <a:latin typeface="微軟正黑體" pitchFamily="34" charset="-120"/>
+                <a:ea typeface="微軟正黑體" pitchFamily="34" charset="-120"/>
+              </a:rPr>
+              <a:t>是</a:t>
+            </a:r>
+            <a:r>
+              <a:rPr lang="zh-CN" altLang="en-US" sz="6400" b="1" dirty="0">
+                <a:solidFill>
+                  <a:srgbClr val="660033"/>
+                </a:solidFill>
+                <a:latin typeface="微軟正黑體" pitchFamily="34" charset="-120"/>
+                <a:ea typeface="微軟正黑體" pitchFamily="34" charset="-120"/>
+              </a:rPr>
+              <a:t>祢</a:t>
+            </a:r>
+            <a:r>
+              <a:rPr lang="zh-TW" altLang="en-US" sz="6400" b="1" dirty="0" smtClean="0">
+                <a:solidFill>
+                  <a:srgbClr val="660033"/>
+                </a:solidFill>
+                <a:latin typeface="微軟正黑體" pitchFamily="34" charset="-120"/>
+                <a:ea typeface="微軟正黑體" pitchFamily="34" charset="-120"/>
+              </a:rPr>
+              <a:t>所</a:t>
+            </a:r>
+            <a:r>
+              <a:rPr lang="zh-TW" altLang="en-US" sz="6400" b="1" dirty="0">
+                <a:solidFill>
+                  <a:srgbClr val="660033"/>
+                </a:solidFill>
+                <a:latin typeface="微軟正黑體" pitchFamily="34" charset="-120"/>
+                <a:ea typeface="微軟正黑體" pitchFamily="34" charset="-120"/>
+              </a:rPr>
+              <a:t>立的約</a:t>
             </a:r>
           </a:p>
           <a:p>
@@ -6363,6 +6441,26 @@
               <a:buNone/>
             </a:pPr>
             <a:r>
+              <a:rPr lang="zh-CN" altLang="en-US" sz="6400" b="1" dirty="0">
+                <a:solidFill>
+                  <a:srgbClr val="660033"/>
+                </a:solidFill>
+                <a:latin typeface="微軟正黑體" pitchFamily="34" charset="-120"/>
+                <a:ea typeface="微軟正黑體" pitchFamily="34" charset="-120"/>
+              </a:rPr>
+              <a:t>祢</a:t>
+            </a:r>
+            <a:r>
+              <a:rPr lang="zh-TW" altLang="en-US" sz="6400" b="1" dirty="0" smtClean="0">
+                <a:solidFill>
+                  <a:srgbClr val="660033"/>
+                </a:solidFill>
+                <a:latin typeface="微軟正黑體" pitchFamily="34" charset="-120"/>
+                <a:ea typeface="微軟正黑體" pitchFamily="34" charset="-120"/>
+              </a:rPr>
+              <a:t>的</a:t>
+            </a:r>
+            <a:r>
               <a:rPr lang="zh-TW" altLang="en-US" sz="6400" b="1" dirty="0">
                 <a:solidFill>
                   <a:srgbClr val="660033"/>
@@ -6370,35 +6468,8 @@
                 <a:latin typeface="微軟正黑體" pitchFamily="34" charset="-120"/>
                 <a:ea typeface="微軟正黑體" pitchFamily="34" charset="-120"/>
               </a:rPr>
-              <a:t>主耶穌  我俯伏敬</a:t>
-            </a:r>
-            <a:r>
-              <a:rPr lang="zh-TW" altLang="en-US" sz="6400" b="1" dirty="0" smtClean="0">
-                <a:solidFill>
-                  <a:srgbClr val="660033"/>
-                </a:solidFill>
-                <a:latin typeface="微軟正黑體" pitchFamily="34" charset="-120"/>
-                <a:ea typeface="微軟正黑體" pitchFamily="34" charset="-120"/>
-              </a:rPr>
-              <a:t>拜</a:t>
-            </a:r>
-            <a:r>
-              <a:rPr lang="zh-CN" altLang="en-US" sz="6400" b="1" dirty="0">
-                <a:solidFill>
-                  <a:srgbClr val="660033"/>
-                </a:solidFill>
-                <a:latin typeface="微軟正黑體" pitchFamily="34" charset="-120"/>
-                <a:ea typeface="微軟正黑體" pitchFamily="34" charset="-120"/>
-              </a:rPr>
-              <a:t>祢</a:t>
-            </a:r>
-            <a:endParaRPr lang="zh-TW" altLang="en-US" sz="6400" b="1" dirty="0">
-              <a:solidFill>
-                <a:srgbClr val="660033"/>
-              </a:solidFill>
-              <a:latin typeface="微軟正黑體" pitchFamily="34" charset="-120"/>
-              <a:ea typeface="微軟正黑體" pitchFamily="34" charset="-120"/>
-            </a:endParaRPr>
+              <a:t>愛永遠不會改變</a:t>
+            </a:r>
           </a:p>
         </p:txBody>
       </p:sp>
@@ -6467,7 +6538,7 @@
     </p:spTree>
     <p:extLst>
       <p:ext uri="{BB962C8B-B14F-4D97-AF65-F5344CB8AC3E}">
-        <p14:creationId xmlns:p14="http://schemas.microsoft.com/office/powerpoint/2010/main" val="4282227719"/>
+        <p14:creationId xmlns:p14="http://schemas.microsoft.com/office/powerpoint/2010/main" val="3172921097"/>
       </p:ext>
     </p:extLst>
   </p:cSld>
@@ -6496,183 +6567,50 @@
       </p:grpSpPr>
       <p:sp>
         <p:nvSpPr>
-          <p:cNvPr id="5" name="內容版面配置區 4"/>
-          <p:cNvSpPr>
-            <a:spLocks noGrp="1"/>
-          </p:cNvSpPr>
-          <p:nvPr>
-            <p:ph idx="1"/>
+          <p:cNvPr id="4" name="標題 3"/>
+          <p:cNvSpPr>
+            <a:spLocks noGrp="1"/>
+          </p:cNvSpPr>
+          <p:nvPr>
+            <p:ph type="title"/>
           </p:nvPr>
         </p:nvSpPr>
         <p:spPr>
           <a:xfrm>
-            <a:off x="0" y="2084853"/>
-            <a:ext cx="12192000" cy="2404863"/>
+            <a:off x="0" y="2857513"/>
+            <a:ext cx="12192000" cy="1143000"/>
           </a:xfrm>
         </p:spPr>
         <p:txBody>
-          <a:bodyPr anchor="ctr">
-            <a:normAutofit/>
+          <a:bodyPr>
+            <a:noAutofit/>
           </a:bodyPr>
           <a:lstStyle/>
           <a:p>
-            <a:pPr algn="ctr">
-              <a:buNone/>
-            </a:pPr>
-            <a:r>
-              <a:rPr lang="zh-TW" altLang="en-US" sz="6400" b="1" dirty="0">
-                <a:solidFill>
-                  <a:srgbClr val="660033"/>
-                </a:solidFill>
-                <a:latin typeface="微軟正黑體" pitchFamily="34" charset="-120"/>
-                <a:ea typeface="微軟正黑體" pitchFamily="34" charset="-120"/>
-              </a:rPr>
-              <a:t>寶貴十架的救恩  </a:t>
-            </a:r>
-            <a:r>
-              <a:rPr lang="zh-TW" altLang="en-US" sz="6400" b="1" dirty="0" smtClean="0">
-                <a:solidFill>
-                  <a:srgbClr val="660033"/>
-                </a:solidFill>
-                <a:latin typeface="微軟正黑體" pitchFamily="34" charset="-120"/>
-                <a:ea typeface="微軟正黑體" pitchFamily="34" charset="-120"/>
-              </a:rPr>
-              <a:t>是</a:t>
-            </a:r>
-            <a:r>
-              <a:rPr lang="zh-CN" altLang="en-US" sz="6400" b="1" dirty="0">
-                <a:solidFill>
-                  <a:srgbClr val="660033"/>
-                </a:solidFill>
-                <a:latin typeface="微軟正黑體" pitchFamily="34" charset="-120"/>
-                <a:ea typeface="微軟正黑體" pitchFamily="34" charset="-120"/>
-              </a:rPr>
-              <a:t>祢</a:t>
-            </a:r>
-            <a:r>
-              <a:rPr lang="zh-TW" altLang="en-US" sz="6400" b="1" dirty="0" smtClean="0">
-                <a:solidFill>
-                  <a:srgbClr val="660033"/>
-                </a:solidFill>
-                <a:latin typeface="微軟正黑體" pitchFamily="34" charset="-120"/>
-                <a:ea typeface="微軟正黑體" pitchFamily="34" charset="-120"/>
-              </a:rPr>
-              <a:t>所</a:t>
-            </a:r>
-            <a:r>
-              <a:rPr lang="zh-TW" altLang="en-US" sz="6400" b="1" dirty="0">
-                <a:solidFill>
-                  <a:srgbClr val="660033"/>
-                </a:solidFill>
-                <a:latin typeface="微軟正黑體" pitchFamily="34" charset="-120"/>
-                <a:ea typeface="微軟正黑體" pitchFamily="34" charset="-120"/>
-              </a:rPr>
-              <a:t>立的約</a:t>
-            </a:r>
-          </a:p>
-          <a:p>
-            <a:pPr algn="ctr">
-              <a:buNone/>
-            </a:pPr>
-            <a:r>
-              <a:rPr lang="zh-CN" altLang="en-US" sz="6400" b="1" dirty="0">
-                <a:solidFill>
-                  <a:srgbClr val="660033"/>
-                </a:solidFill>
-                <a:latin typeface="微軟正黑體" pitchFamily="34" charset="-120"/>
-                <a:ea typeface="微軟正黑體" pitchFamily="34" charset="-120"/>
-              </a:rPr>
-              <a:t>祢</a:t>
-            </a:r>
-            <a:r>
-              <a:rPr lang="zh-TW" altLang="en-US" sz="6400" b="1" dirty="0" smtClean="0">
-                <a:solidFill>
-                  <a:srgbClr val="660033"/>
-                </a:solidFill>
-                <a:latin typeface="微軟正黑體" pitchFamily="34" charset="-120"/>
-                <a:ea typeface="微軟正黑體" pitchFamily="34" charset="-120"/>
-              </a:rPr>
-              <a:t>的</a:t>
-            </a:r>
-            <a:r>
-              <a:rPr lang="zh-TW" altLang="en-US" sz="6400" b="1" dirty="0">
-                <a:solidFill>
-                  <a:srgbClr val="660033"/>
-                </a:solidFill>
-                <a:latin typeface="微軟正黑體" pitchFamily="34" charset="-120"/>
-                <a:ea typeface="微軟正黑體" pitchFamily="34" charset="-120"/>
-              </a:rPr>
-              <a:t>愛永遠不會改變</a:t>
-            </a:r>
-          </a:p>
-        </p:txBody>
-      </p:sp>
-      <p:sp>
-        <p:nvSpPr>
-          <p:cNvPr id="3" name="TextBox 2"/>
-          <p:cNvSpPr txBox="1"/>
-          <p:nvPr/>
-        </p:nvSpPr>
-        <p:spPr>
-          <a:xfrm>
-            <a:off x="17529" y="5157192"/>
-            <a:ext cx="12192000" cy="646331"/>
-          </a:xfrm>
-          <a:prstGeom prst="rect">
-            <a:avLst/>
-          </a:prstGeom>
-          <a:noFill/>
-        </p:spPr>
-        <p:txBody>
-          <a:bodyPr wrap="square" rtlCol="0">
-            <a:spAutoFit/>
-          </a:bodyPr>
-          <a:lstStyle/>
-          <a:p>
-            <a:pPr algn="ctr"/>
-            <a:r>
-              <a:rPr lang="en-US" sz="3600" b="1" dirty="0" smtClean="0">
-                <a:solidFill>
-                  <a:srgbClr val="660033"/>
-                </a:solidFill>
-                <a:latin typeface="Microsoft JhengHei" panose="020B0604030504040204" pitchFamily="34" charset="-120"/>
-                <a:ea typeface="Microsoft JhengHei" panose="020B0604030504040204" pitchFamily="34" charset="-120"/>
-              </a:rPr>
-              <a:t>( </a:t>
-            </a:r>
-            <a:r>
-              <a:rPr lang="zh-CN" altLang="en-US" sz="3600" b="1" dirty="0" smtClean="0">
-                <a:solidFill>
-                  <a:srgbClr val="660033"/>
-                </a:solidFill>
-                <a:latin typeface="Microsoft JhengHei" panose="020B0604030504040204" pitchFamily="34" charset="-120"/>
-                <a:ea typeface="Microsoft JhengHei" panose="020B0604030504040204" pitchFamily="34" charset="-120"/>
-              </a:rPr>
-              <a:t>副</a:t>
-            </a:r>
-            <a:r>
-              <a:rPr lang="en-US" sz="3600" b="1" dirty="0" smtClean="0">
-                <a:solidFill>
-                  <a:srgbClr val="660033"/>
-                </a:solidFill>
-                <a:latin typeface="Microsoft JhengHei" panose="020B0604030504040204" pitchFamily="34" charset="-120"/>
-                <a:ea typeface="Microsoft JhengHei" panose="020B0604030504040204" pitchFamily="34" charset="-120"/>
-              </a:rPr>
-              <a:t> )</a:t>
-            </a:r>
-            <a:endParaRPr lang="vi-VN" sz="3600" b="1" dirty="0">
-              <a:solidFill>
-                <a:srgbClr val="660033"/>
-              </a:solidFill>
-              <a:ea typeface="Microsoft JhengHei" panose="020B0604030504040204" pitchFamily="34" charset="-120"/>
-            </a:endParaRPr>
+            <a:r>
+              <a:rPr lang="zh-TW" altLang="en-US" sz="7200" b="1" i="1" dirty="0">
+                <a:solidFill>
+                  <a:srgbClr val="660033"/>
+                </a:solidFill>
+                <a:effectLst>
+                  <a:outerShdw blurRad="38100" dist="38100" dir="2700000" algn="tl">
+                    <a:srgbClr val="000000">
+                      <a:alpha val="43137"/>
+                    </a:srgbClr>
+                  </a:outerShdw>
+                </a:effectLst>
+                <a:latin typeface="微軟正黑體" pitchFamily="34" charset="-120"/>
+                <a:ea typeface="微軟正黑體" pitchFamily="34" charset="-120"/>
+              </a:rPr>
+              <a:t>寶貴十架</a:t>
+            </a:r>
           </a:p>
         </p:txBody>
       </p:sp>
     </p:spTree>
     <p:extLst>
       <p:ext uri="{BB962C8B-B14F-4D97-AF65-F5344CB8AC3E}">
-        <p14:creationId xmlns:p14="http://schemas.microsoft.com/office/powerpoint/2010/main" val="3172921097"/>
+        <p14:creationId xmlns:p14="http://schemas.microsoft.com/office/powerpoint/2010/main" val="836372872"/>
       </p:ext>
     </p:extLst>
   </p:cSld>
@@ -6859,50 +6797,180 @@
       </p:grpSpPr>
       <p:sp>
         <p:nvSpPr>
-          <p:cNvPr id="4" name="標題 3"/>
-          <p:cNvSpPr>
-            <a:spLocks noGrp="1"/>
-          </p:cNvSpPr>
-          <p:nvPr>
-            <p:ph type="title"/>
+          <p:cNvPr id="5" name="內容版面配置區 4"/>
+          <p:cNvSpPr>
+            <a:spLocks noGrp="1"/>
+          </p:cNvSpPr>
+          <p:nvPr>
+            <p:ph idx="1"/>
           </p:nvPr>
         </p:nvSpPr>
         <p:spPr>
           <a:xfrm>
-            <a:off x="0" y="2857513"/>
-            <a:ext cx="12192000" cy="1143000"/>
+            <a:off x="0" y="2084853"/>
+            <a:ext cx="12192000" cy="2404863"/>
           </a:xfrm>
         </p:spPr>
         <p:txBody>
-          <a:bodyPr>
-            <a:noAutofit/>
+          <a:bodyPr anchor="ctr">
+            <a:normAutofit/>
           </a:bodyPr>
           <a:lstStyle/>
           <a:p>
-            <a:r>
-              <a:rPr lang="zh-TW" altLang="en-US" sz="7200" b="1" i="1" dirty="0">
-                <a:solidFill>
-                  <a:srgbClr val="660033"/>
-                </a:solidFill>
-                <a:effectLst>
-                  <a:outerShdw blurRad="38100" dist="38100" dir="2700000" algn="tl">
-                    <a:srgbClr val="000000">
-                      <a:alpha val="43137"/>
-                    </a:srgbClr>
-                  </a:outerShdw>
-                </a:effectLst>
-                <a:latin typeface="微軟正黑體" pitchFamily="34" charset="-120"/>
-                <a:ea typeface="微軟正黑體" pitchFamily="34" charset="-120"/>
-              </a:rPr>
-              <a:t>寶貴十架</a:t>
-            </a:r>
+            <a:pPr algn="ctr">
+              <a:buNone/>
+            </a:pPr>
+            <a:r>
+              <a:rPr lang="zh-TW" altLang="en-US" sz="6400" b="1" dirty="0">
+                <a:solidFill>
+                  <a:srgbClr val="660033"/>
+                </a:solidFill>
+                <a:latin typeface="微軟正黑體" pitchFamily="34" charset="-120"/>
+                <a:ea typeface="微軟正黑體" pitchFamily="34" charset="-120"/>
+              </a:rPr>
+              <a:t>主耶穌  我感</a:t>
+            </a:r>
+            <a:r>
+              <a:rPr lang="zh-TW" altLang="en-US" sz="6400" b="1" dirty="0" smtClean="0">
+                <a:solidFill>
+                  <a:srgbClr val="660033"/>
+                </a:solidFill>
+                <a:latin typeface="微軟正黑體" pitchFamily="34" charset="-120"/>
+                <a:ea typeface="微軟正黑體" pitchFamily="34" charset="-120"/>
+              </a:rPr>
+              <a:t>謝</a:t>
+            </a:r>
+            <a:r>
+              <a:rPr lang="zh-CN" altLang="en-US" sz="6400" b="1" dirty="0">
+                <a:solidFill>
+                  <a:srgbClr val="660033"/>
+                </a:solidFill>
+                <a:latin typeface="微軟正黑體" pitchFamily="34" charset="-120"/>
+                <a:ea typeface="微軟正黑體" pitchFamily="34" charset="-120"/>
+              </a:rPr>
+              <a:t>祢</a:t>
+            </a:r>
+            <a:endParaRPr lang="zh-TW" altLang="en-US" sz="6400" b="1" dirty="0">
+              <a:solidFill>
+                <a:srgbClr val="660033"/>
+              </a:solidFill>
+              <a:latin typeface="微軟正黑體" pitchFamily="34" charset="-120"/>
+              <a:ea typeface="微軟正黑體" pitchFamily="34" charset="-120"/>
+            </a:endParaRPr>
+          </a:p>
+          <a:p>
+            <a:pPr algn="ctr">
+              <a:buNone/>
+            </a:pPr>
+            <a:r>
+              <a:rPr lang="zh-CN" altLang="en-US" sz="6400" b="1" dirty="0">
+                <a:solidFill>
+                  <a:srgbClr val="660033"/>
+                </a:solidFill>
+                <a:latin typeface="微軟正黑體" pitchFamily="34" charset="-120"/>
+                <a:ea typeface="微軟正黑體" pitchFamily="34" charset="-120"/>
+              </a:rPr>
+              <a:t>祢</a:t>
+            </a:r>
+            <a:r>
+              <a:rPr lang="zh-TW" altLang="en-US" sz="6400" b="1" dirty="0" smtClean="0">
+                <a:solidFill>
+                  <a:srgbClr val="660033"/>
+                </a:solidFill>
+                <a:latin typeface="微軟正黑體" pitchFamily="34" charset="-120"/>
+                <a:ea typeface="微軟正黑體" pitchFamily="34" charset="-120"/>
+              </a:rPr>
+              <a:t>的</a:t>
+            </a:r>
+            <a:r>
+              <a:rPr lang="zh-TW" altLang="en-US" sz="6400" b="1" dirty="0">
+                <a:solidFill>
+                  <a:srgbClr val="660033"/>
+                </a:solidFill>
+                <a:latin typeface="微軟正黑體" pitchFamily="34" charset="-120"/>
+                <a:ea typeface="微軟正黑體" pitchFamily="34" charset="-120"/>
+              </a:rPr>
+              <a:t>身體  為我而捨</a:t>
+            </a:r>
+          </a:p>
+        </p:txBody>
+      </p:sp>
+      <p:sp>
+        <p:nvSpPr>
+          <p:cNvPr id="3" name="TextBox 2"/>
+          <p:cNvSpPr txBox="1"/>
+          <p:nvPr/>
+        </p:nvSpPr>
+        <p:spPr>
+          <a:xfrm>
+            <a:off x="17529" y="5157192"/>
+            <a:ext cx="12192000" cy="646331"/>
+          </a:xfrm>
+          <a:prstGeom prst="rect">
+            <a:avLst/>
+          </a:prstGeom>
+          <a:noFill/>
+        </p:spPr>
+        <p:txBody>
+          <a:bodyPr wrap="square" rtlCol="0">
+            <a:spAutoFit/>
+          </a:bodyPr>
+          <a:lstStyle/>
+          <a:p>
+            <a:pPr algn="ctr"/>
+            <a:r>
+              <a:rPr lang="en-US" sz="3600" b="1" dirty="0" smtClean="0">
+                <a:solidFill>
+                  <a:srgbClr val="660033"/>
+                </a:solidFill>
+                <a:latin typeface="Microsoft JhengHei" panose="020B0604030504040204" pitchFamily="34" charset="-120"/>
+                <a:ea typeface="Microsoft JhengHei" panose="020B0604030504040204" pitchFamily="34" charset="-120"/>
+              </a:rPr>
+              <a:t>( </a:t>
+            </a:r>
+            <a:r>
+              <a:rPr lang="zh-CN" altLang="en-US" sz="3600" b="1" dirty="0" smtClean="0">
+                <a:solidFill>
+                  <a:srgbClr val="660033"/>
+                </a:solidFill>
+                <a:latin typeface="Microsoft JhengHei" panose="020B0604030504040204" pitchFamily="34" charset="-120"/>
+                <a:ea typeface="Microsoft JhengHei" panose="020B0604030504040204" pitchFamily="34" charset="-120"/>
+              </a:rPr>
+              <a:t>正</a:t>
+            </a:r>
+            <a:r>
+              <a:rPr lang="en-US" altLang="zh-CN" sz="3600" b="1" dirty="0" smtClean="0">
+                <a:solidFill>
+                  <a:srgbClr val="660033"/>
+                </a:solidFill>
+                <a:latin typeface="Microsoft JhengHei" panose="020B0604030504040204" pitchFamily="34" charset="-120"/>
+                <a:ea typeface="Microsoft JhengHei" panose="020B0604030504040204" pitchFamily="34" charset="-120"/>
+              </a:rPr>
+              <a:t> 1</a:t>
+            </a:r>
+            <a:r>
+              <a:rPr lang="en-US" sz="3600" b="1" dirty="0" smtClean="0">
+                <a:solidFill>
+                  <a:srgbClr val="660033"/>
+                </a:solidFill>
+                <a:latin typeface="Microsoft JhengHei" panose="020B0604030504040204" pitchFamily="34" charset="-120"/>
+                <a:ea typeface="Microsoft JhengHei" panose="020B0604030504040204" pitchFamily="34" charset="-120"/>
+              </a:rPr>
+              <a:t> )</a:t>
+            </a:r>
+            <a:endParaRPr lang="vi-VN" sz="3600" b="1" dirty="0">
+              <a:solidFill>
+                <a:srgbClr val="660033"/>
+              </a:solidFill>
+              <a:ea typeface="Microsoft JhengHei" panose="020B0604030504040204" pitchFamily="34" charset="-120"/>
+            </a:endParaRPr>
           </a:p>
         </p:txBody>
       </p:sp>
     </p:spTree>
     <p:extLst>
       <p:ext uri="{BB962C8B-B14F-4D97-AF65-F5344CB8AC3E}">
-        <p14:creationId xmlns:p14="http://schemas.microsoft.com/office/powerpoint/2010/main" val="836372872"/>
+        <p14:creationId xmlns:p14="http://schemas.microsoft.com/office/powerpoint/2010/main" val="2038110603"/>
       </p:ext>
     </p:extLst>
   </p:cSld>
@@ -6962,17 +7030,7 @@
                 <a:latin typeface="微軟正黑體" pitchFamily="34" charset="-120"/>
                 <a:ea typeface="微軟正黑體" pitchFamily="34" charset="-120"/>
               </a:rPr>
-              <a:t>主耶穌  我感</a:t>
-            </a:r>
-            <a:r>
-              <a:rPr lang="zh-TW" altLang="en-US" sz="6400" b="1" dirty="0" smtClean="0">
-                <a:solidFill>
-                  <a:srgbClr val="660033"/>
-                </a:solidFill>
-                <a:latin typeface="微軟正黑體" pitchFamily="34" charset="-120"/>
-                <a:ea typeface="微軟正黑體" pitchFamily="34" charset="-120"/>
-              </a:rPr>
-              <a:t>謝</a:t>
+              <a:t>帶我出黑暗  進</a:t>
             </a:r>
             <a:r>
               <a:rPr lang="zh-CN" altLang="en-US" sz="6400" b="1" dirty="0">
@@ -6982,41 +7040,24 @@
                 <a:latin typeface="微軟正黑體" pitchFamily="34" charset="-120"/>
                 <a:ea typeface="微軟正黑體" pitchFamily="34" charset="-120"/>
               </a:rPr>
-              <a:t>祢</a:t>
-            </a:r>
-            <a:endParaRPr lang="zh-TW" altLang="en-US" sz="6400" b="1" dirty="0">
-              <a:solidFill>
-                <a:srgbClr val="660033"/>
-              </a:solidFill>
-              <a:latin typeface="微軟正黑體" pitchFamily="34" charset="-120"/>
-              <a:ea typeface="微軟正黑體" pitchFamily="34" charset="-120"/>
-            </a:endParaRPr>
+              <a:t>入</a:t>
+            </a:r>
+            <a:r>
+              <a:rPr lang="zh-TW" altLang="en-US" sz="6400" b="1" dirty="0">
+                <a:solidFill>
+                  <a:srgbClr val="660033"/>
+                </a:solidFill>
+                <a:latin typeface="微軟正黑體" pitchFamily="34" charset="-120"/>
+                <a:ea typeface="微軟正黑體" pitchFamily="34" charset="-120"/>
+              </a:rPr>
+              <a:t>光明國度</a:t>
+            </a:r>
           </a:p>
           <a:p>
             <a:pPr algn="ctr">
               <a:buNone/>
             </a:pPr>
             <a:r>
-              <a:rPr lang="zh-CN" altLang="en-US" sz="6400" b="1" dirty="0">
-                <a:solidFill>
-                  <a:srgbClr val="660033"/>
-                </a:solidFill>
-                <a:latin typeface="微軟正黑體" pitchFamily="34" charset="-120"/>
-                <a:ea typeface="微軟正黑體" pitchFamily="34" charset="-120"/>
-              </a:rPr>
-              <a:t>祢</a:t>
-            </a:r>
-            <a:r>
-              <a:rPr lang="zh-TW" altLang="en-US" sz="6400" b="1" dirty="0" smtClean="0">
-                <a:solidFill>
-                  <a:srgbClr val="660033"/>
-                </a:solidFill>
-                <a:latin typeface="微軟正黑體" pitchFamily="34" charset="-120"/>
-                <a:ea typeface="微軟正黑體" pitchFamily="34" charset="-120"/>
-              </a:rPr>
-              <a:t>的</a:t>
-            </a:r>
-            <a:r>
               <a:rPr lang="zh-TW" altLang="en-US" sz="6400" b="1" dirty="0">
                 <a:solidFill>
                   <a:srgbClr val="660033"/>
@@ -7024,7 +7065,7 @@
                 <a:latin typeface="微軟正黑體" pitchFamily="34" charset="-120"/>
                 <a:ea typeface="微軟正黑體" pitchFamily="34" charset="-120"/>
               </a:rPr>
-              <a:t>身體  為我而捨</a:t>
+              <a:t>使我再次能看見</a:t>
             </a:r>
           </a:p>
         </p:txBody>
@@ -7053,7 +7094,7 @@
           <a:p>
             <a:pPr algn="ctr"/>
             <a:r>
-              <a:rPr lang="en-US" sz="3600" b="1" dirty="0" smtClean="0">
+              <a:rPr lang="en-US" sz="3600" b="1" dirty="0">
                 <a:solidFill>
                   <a:srgbClr val="660033"/>
                 </a:solidFill>
@@ -7063,7 +7104,7 @@
               <a:t>( </a:t>
             </a:r>
             <a:r>
-              <a:rPr lang="zh-CN" altLang="en-US" sz="3600" b="1" dirty="0" smtClean="0">
+              <a:rPr lang="zh-CN" altLang="en-US" sz="3600" b="1" dirty="0">
                 <a:solidFill>
                   <a:srgbClr val="660033"/>
                 </a:solidFill>
@@ -7073,7 +7114,7 @@
               <a:t>正</a:t>
             </a:r>
             <a:r>
-              <a:rPr lang="en-US" altLang="zh-CN" sz="3600" b="1" dirty="0" smtClean="0">
+              <a:rPr lang="en-US" altLang="zh-CN" sz="3600" b="1" dirty="0">
                 <a:solidFill>
                   <a:srgbClr val="660033"/>
                 </a:solidFill>
@@ -7083,7 +7124,7 @@
               <a:t> 1</a:t>
             </a:r>
             <a:r>
-              <a:rPr lang="en-US" sz="3600" b="1" dirty="0" smtClean="0">
+              <a:rPr lang="en-US" sz="3600" b="1" dirty="0">
                 <a:solidFill>
                   <a:srgbClr val="660033"/>
                 </a:solidFill>
@@ -7104,7 +7145,7 @@
     </p:spTree>
     <p:extLst>
       <p:ext uri="{BB962C8B-B14F-4D97-AF65-F5344CB8AC3E}">
-        <p14:creationId xmlns:p14="http://schemas.microsoft.com/office/powerpoint/2010/main" val="2038110603"/>
+        <p14:creationId xmlns:p14="http://schemas.microsoft.com/office/powerpoint/2010/main" val="2116996549"/>
       </p:ext>
     </p:extLst>
   </p:cSld>
@@ -7164,7 +7205,17 @@
                 <a:latin typeface="微軟正黑體" pitchFamily="34" charset="-120"/>
                 <a:ea typeface="微軟正黑體" pitchFamily="34" charset="-120"/>
               </a:rPr>
-              <a:t>帶我出黑暗  進</a:t>
+              <a:t>主耶穌  我感</a:t>
+            </a:r>
+            <a:r>
+              <a:rPr lang="zh-TW" altLang="en-US" sz="6400" b="1" dirty="0" smtClean="0">
+                <a:solidFill>
+                  <a:srgbClr val="660033"/>
+                </a:solidFill>
+                <a:latin typeface="微軟正黑體" pitchFamily="34" charset="-120"/>
+                <a:ea typeface="微軟正黑體" pitchFamily="34" charset="-120"/>
+              </a:rPr>
+              <a:t>謝</a:t>
             </a:r>
             <a:r>
               <a:rPr lang="zh-CN" altLang="en-US" sz="6400" b="1" dirty="0">
@@ -7174,7 +7225,39 @@
                 <a:latin typeface="微軟正黑體" pitchFamily="34" charset="-120"/>
                 <a:ea typeface="微軟正黑體" pitchFamily="34" charset="-120"/>
               </a:rPr>
-              <a:t>入</a:t>
+              <a:t>祢</a:t>
+            </a:r>
+            <a:endParaRPr lang="zh-TW" altLang="en-US" sz="6400" b="1" dirty="0">
+              <a:solidFill>
+                <a:srgbClr val="660033"/>
+              </a:solidFill>
+              <a:latin typeface="微軟正黑體" pitchFamily="34" charset="-120"/>
+              <a:ea typeface="微軟正黑體" pitchFamily="34" charset="-120"/>
+            </a:endParaRPr>
+          </a:p>
+          <a:p>
+            <a:pPr algn="ctr">
+              <a:buNone/>
+            </a:pPr>
+            <a:r>
+              <a:rPr lang="zh-CN" altLang="en-US" sz="6400" b="1" dirty="0">
+                <a:solidFill>
+                  <a:srgbClr val="660033"/>
+                </a:solidFill>
+                <a:latin typeface="微軟正黑體" pitchFamily="34" charset="-120"/>
+                <a:ea typeface="微軟正黑體" pitchFamily="34" charset="-120"/>
+              </a:rPr>
+              <a:t>祢</a:t>
+            </a:r>
+            <a:r>
+              <a:rPr lang="zh-TW" altLang="en-US" sz="6400" b="1" dirty="0" smtClean="0">
+                <a:solidFill>
+                  <a:srgbClr val="660033"/>
+                </a:solidFill>
+                <a:latin typeface="微軟正黑體" pitchFamily="34" charset="-120"/>
+                <a:ea typeface="微軟正黑體" pitchFamily="34" charset="-120"/>
+              </a:rPr>
+              <a:t>的</a:t>
             </a:r>
             <a:r>
               <a:rPr lang="zh-TW" altLang="en-US" sz="6400" b="1" dirty="0">
@@ -7184,22 +7267,7 @@
                 <a:latin typeface="微軟正黑體" pitchFamily="34" charset="-120"/>
                 <a:ea typeface="微軟正黑體" pitchFamily="34" charset="-120"/>
               </a:rPr>
-              <a:t>光明國度</a:t>
-            </a:r>
-          </a:p>
-          <a:p>
-            <a:pPr algn="ctr">
-              <a:buNone/>
-            </a:pPr>
-            <a:r>
-              <a:rPr lang="zh-TW" altLang="en-US" sz="6400" b="1" dirty="0">
-                <a:solidFill>
-                  <a:srgbClr val="660033"/>
-                </a:solidFill>
-                <a:latin typeface="微軟正黑體" pitchFamily="34" charset="-120"/>
-                <a:ea typeface="微軟正黑體" pitchFamily="34" charset="-120"/>
-              </a:rPr>
-              <a:t>使我再次能看見</a:t>
+              <a:t>寶血  為我而流</a:t>
             </a:r>
           </a:p>
         </p:txBody>
@@ -7255,7 +7323,27 @@
                 <a:latin typeface="Microsoft JhengHei" panose="020B0604030504040204" pitchFamily="34" charset="-120"/>
                 <a:ea typeface="Microsoft JhengHei" panose="020B0604030504040204" pitchFamily="34" charset="-120"/>
               </a:rPr>
-              <a:t> 1</a:t>
+              <a:t> </a:t>
+            </a:r>
+            <a:r>
+              <a:rPr lang="en-US" altLang="zh-CN" sz="3600" b="1" dirty="0" smtClean="0">
+                <a:solidFill>
+                  <a:srgbClr val="660033"/>
+                </a:solidFill>
+                <a:latin typeface="Microsoft JhengHei" panose="020B0604030504040204" pitchFamily="34" charset="-120"/>
+                <a:ea typeface="Microsoft JhengHei" panose="020B0604030504040204" pitchFamily="34" charset="-120"/>
+              </a:rPr>
+              <a:t>2</a:t>
+            </a:r>
+            <a:r>
+              <a:rPr lang="en-US" sz="3600" b="1" dirty="0" smtClean="0">
+                <a:solidFill>
+                  <a:srgbClr val="660033"/>
+                </a:solidFill>
+                <a:latin typeface="Microsoft JhengHei" panose="020B0604030504040204" pitchFamily="34" charset="-120"/>
+                <a:ea typeface="Microsoft JhengHei" panose="020B0604030504040204" pitchFamily="34" charset="-120"/>
+              </a:rPr>
+              <a:t> </a:t>
             </a:r>
             <a:r>
               <a:rPr lang="en-US" sz="3600" b="1" dirty="0">
@@ -7265,7 +7353,7 @@
                 <a:latin typeface="Microsoft JhengHei" panose="020B0604030504040204" pitchFamily="34" charset="-120"/>
                 <a:ea typeface="Microsoft JhengHei" panose="020B0604030504040204" pitchFamily="34" charset="-120"/>
               </a:rPr>
-              <a:t> )</a:t>
+              <a:t>)</a:t>
             </a:r>
             <a:endParaRPr lang="vi-VN" sz="3600" b="1" dirty="0">
               <a:solidFill>
@@ -7279,7 +7367,7 @@
     </p:spTree>
     <p:extLst>
       <p:ext uri="{BB962C8B-B14F-4D97-AF65-F5344CB8AC3E}">
-        <p14:creationId xmlns:p14="http://schemas.microsoft.com/office/powerpoint/2010/main" val="2116996549"/>
+        <p14:creationId xmlns:p14="http://schemas.microsoft.com/office/powerpoint/2010/main" val="1328672984"/>
       </p:ext>
     </p:extLst>
   </p:cSld>
@@ -7339,61 +7427,14 @@
                 <a:latin typeface="微軟正黑體" pitchFamily="34" charset="-120"/>
                 <a:ea typeface="微軟正黑體" pitchFamily="34" charset="-120"/>
               </a:rPr>
-              <a:t>主耶穌  我感</a:t>
-            </a:r>
-            <a:r>
-              <a:rPr lang="zh-TW" altLang="en-US" sz="6400" b="1" dirty="0" smtClean="0">
-                <a:solidFill>
-                  <a:srgbClr val="660033"/>
-                </a:solidFill>
-                <a:latin typeface="微軟正黑體" pitchFamily="34" charset="-120"/>
-                <a:ea typeface="微軟正黑體" pitchFamily="34" charset="-120"/>
-              </a:rPr>
-              <a:t>謝</a:t>
-            </a:r>
-            <a:r>
-              <a:rPr lang="zh-CN" altLang="en-US" sz="6400" b="1" dirty="0">
-                <a:solidFill>
-                  <a:srgbClr val="660033"/>
-                </a:solidFill>
-                <a:latin typeface="微軟正黑體" pitchFamily="34" charset="-120"/>
-                <a:ea typeface="微軟正黑體" pitchFamily="34" charset="-120"/>
-              </a:rPr>
-              <a:t>祢</a:t>
-            </a:r>
-            <a:endParaRPr lang="zh-TW" altLang="en-US" sz="6400" b="1" dirty="0">
-              <a:solidFill>
-                <a:srgbClr val="660033"/>
-              </a:solidFill>
-              <a:latin typeface="微軟正黑體" pitchFamily="34" charset="-120"/>
-              <a:ea typeface="微軟正黑體" pitchFamily="34" charset="-120"/>
-            </a:endParaRPr>
+              <a:t>寶貴十架上  醫治恩典湧流</a:t>
+            </a:r>
           </a:p>
           <a:p>
             <a:pPr algn="ctr">
               <a:buNone/>
             </a:pPr>
             <a:r>
-              <a:rPr lang="zh-CN" altLang="en-US" sz="6400" b="1" dirty="0">
-                <a:solidFill>
-                  <a:srgbClr val="660033"/>
-                </a:solidFill>
-                <a:latin typeface="微軟正黑體" pitchFamily="34" charset="-120"/>
-                <a:ea typeface="微軟正黑體" pitchFamily="34" charset="-120"/>
-              </a:rPr>
-              <a:t>祢</a:t>
-            </a:r>
-            <a:r>
-              <a:rPr lang="zh-TW" altLang="en-US" sz="6400" b="1" dirty="0" smtClean="0">
-                <a:solidFill>
-                  <a:srgbClr val="660033"/>
-                </a:solidFill>
-                <a:latin typeface="微軟正黑體" pitchFamily="34" charset="-120"/>
-                <a:ea typeface="微軟正黑體" pitchFamily="34" charset="-120"/>
-              </a:rPr>
-              <a:t>的</a:t>
-            </a:r>
-            <a:r>
               <a:rPr lang="zh-TW" altLang="en-US" sz="6400" b="1" dirty="0">
                 <a:solidFill>
                   <a:srgbClr val="660033"/>
@@ -7401,7 +7442,7 @@
                 <a:latin typeface="微軟正黑體" pitchFamily="34" charset="-120"/>
                 <a:ea typeface="微軟正黑體" pitchFamily="34" charset="-120"/>
               </a:rPr>
-              <a:t>寶血  為我而流</a:t>
+              <a:t>使我完全得自由</a:t>
             </a:r>
           </a:p>
         </p:txBody>
@@ -7457,27 +7498,7 @@
                 <a:latin typeface="Microsoft JhengHei" panose="020B0604030504040204" pitchFamily="34" charset="-120"/>
                 <a:ea typeface="Microsoft JhengHei" panose="020B0604030504040204" pitchFamily="34" charset="-120"/>
               </a:rPr>
-              <a:t> </a:t>
-            </a:r>
-            <a:r>
-              <a:rPr lang="en-US" altLang="zh-CN" sz="3600" b="1" dirty="0" smtClean="0">
-                <a:solidFill>
-                  <a:srgbClr val="660033"/>
-                </a:solidFill>
-                <a:latin typeface="Microsoft JhengHei" panose="020B0604030504040204" pitchFamily="34" charset="-120"/>
-                <a:ea typeface="Microsoft JhengHei" panose="020B0604030504040204" pitchFamily="34" charset="-120"/>
-              </a:rPr>
-              <a:t>2</a:t>
-            </a:r>
-            <a:r>
-              <a:rPr lang="en-US" sz="3600" b="1" dirty="0" smtClean="0">
-                <a:solidFill>
-                  <a:srgbClr val="660033"/>
-                </a:solidFill>
-                <a:latin typeface="Microsoft JhengHei" panose="020B0604030504040204" pitchFamily="34" charset="-120"/>
-                <a:ea typeface="Microsoft JhengHei" panose="020B0604030504040204" pitchFamily="34" charset="-120"/>
-              </a:rPr>
-              <a:t> </a:t>
+              <a:t> 2</a:t>
             </a:r>
             <a:r>
               <a:rPr lang="en-US" sz="3600" b="1" dirty="0">
@@ -7487,7 +7508,7 @@
                 <a:latin typeface="Microsoft JhengHei" panose="020B0604030504040204" pitchFamily="34" charset="-120"/>
                 <a:ea typeface="Microsoft JhengHei" panose="020B0604030504040204" pitchFamily="34" charset="-120"/>
               </a:rPr>
-              <a:t>)</a:t>
+              <a:t> )</a:t>
             </a:r>
             <a:endParaRPr lang="vi-VN" sz="3600" b="1" dirty="0">
               <a:solidFill>
@@ -7501,7 +7522,7 @@
     </p:spTree>
     <p:extLst>
       <p:ext uri="{BB962C8B-B14F-4D97-AF65-F5344CB8AC3E}">
-        <p14:creationId xmlns:p14="http://schemas.microsoft.com/office/powerpoint/2010/main" val="1328672984"/>
+        <p14:creationId xmlns:p14="http://schemas.microsoft.com/office/powerpoint/2010/main" val="1609925953"/>
       </p:ext>
     </p:extLst>
   </p:cSld>
@@ -7561,7 +7582,7 @@
                 <a:latin typeface="微軟正黑體" pitchFamily="34" charset="-120"/>
                 <a:ea typeface="微軟正黑體" pitchFamily="34" charset="-120"/>
               </a:rPr>
-              <a:t>寶貴十架上  醫治恩典湧流</a:t>
+              <a:t>寶貴十架的大能賜我生命</a:t>
             </a:r>
           </a:p>
           <a:p>
@@ -7576,8 +7597,35 @@
                 <a:latin typeface="微軟正黑體" pitchFamily="34" charset="-120"/>
                 <a:ea typeface="微軟正黑體" pitchFamily="34" charset="-120"/>
               </a:rPr>
-              <a:t>使我完全得自由</a:t>
-            </a:r>
+              <a:t>主耶穌  我俯伏敬</a:t>
+            </a:r>
+            <a:r>
+              <a:rPr lang="zh-TW" altLang="en-US" sz="6400" b="1" dirty="0" smtClean="0">
+                <a:solidFill>
+                  <a:srgbClr val="660033"/>
+                </a:solidFill>
+                <a:latin typeface="微軟正黑體" pitchFamily="34" charset="-120"/>
+                <a:ea typeface="微軟正黑體" pitchFamily="34" charset="-120"/>
+              </a:rPr>
+              <a:t>拜</a:t>
+            </a:r>
+            <a:r>
+              <a:rPr lang="zh-CN" altLang="en-US" sz="6400" b="1" dirty="0">
+                <a:solidFill>
+                  <a:srgbClr val="660033"/>
+                </a:solidFill>
+                <a:latin typeface="微軟正黑體" pitchFamily="34" charset="-120"/>
+                <a:ea typeface="微軟正黑體" pitchFamily="34" charset="-120"/>
+              </a:rPr>
+              <a:t>祢</a:t>
+            </a:r>
+            <a:endParaRPr lang="zh-TW" altLang="en-US" sz="6400" b="1" dirty="0">
+              <a:solidFill>
+                <a:srgbClr val="660033"/>
+              </a:solidFill>
+              <a:latin typeface="微軟正黑體" pitchFamily="34" charset="-120"/>
+              <a:ea typeface="微軟正黑體" pitchFamily="34" charset="-120"/>
+            </a:endParaRPr>
           </a:p>
         </p:txBody>
       </p:sp>
@@ -7605,7 +7653,7 @@
           <a:p>
             <a:pPr algn="ctr"/>
             <a:r>
-              <a:rPr lang="en-US" sz="3600" b="1" dirty="0">
+              <a:rPr lang="en-US" sz="3600" b="1" dirty="0" smtClean="0">
                 <a:solidFill>
                   <a:srgbClr val="660033"/>
                 </a:solidFill>
@@ -7615,27 +7663,17 @@
               <a:t>( </a:t>
             </a:r>
             <a:r>
-              <a:rPr lang="zh-CN" altLang="en-US" sz="3600" b="1" dirty="0">
-                <a:solidFill>
-                  <a:srgbClr val="660033"/>
-                </a:solidFill>
-                <a:latin typeface="Microsoft JhengHei" panose="020B0604030504040204" pitchFamily="34" charset="-120"/>
-                <a:ea typeface="Microsoft JhengHei" panose="020B0604030504040204" pitchFamily="34" charset="-120"/>
-              </a:rPr>
-              <a:t>正</a:t>
-            </a:r>
-            <a:r>
-              <a:rPr lang="en-US" altLang="zh-CN" sz="3600" b="1" dirty="0">
-                <a:solidFill>
-                  <a:srgbClr val="660033"/>
-                </a:solidFill>
-                <a:latin typeface="Microsoft JhengHei" panose="020B0604030504040204" pitchFamily="34" charset="-120"/>
-                <a:ea typeface="Microsoft JhengHei" panose="020B0604030504040204" pitchFamily="34" charset="-120"/>
-              </a:rPr>
-              <a:t> 2</a:t>
-            </a:r>
-            <a:r>
-              <a:rPr lang="en-US" sz="3600" b="1" dirty="0">
+              <a:rPr lang="zh-CN" altLang="en-US" sz="3600" b="1" dirty="0" smtClean="0">
+                <a:solidFill>
+                  <a:srgbClr val="660033"/>
+                </a:solidFill>
+                <a:latin typeface="Microsoft JhengHei" panose="020B0604030504040204" pitchFamily="34" charset="-120"/>
+                <a:ea typeface="Microsoft JhengHei" panose="020B0604030504040204" pitchFamily="34" charset="-120"/>
+              </a:rPr>
+              <a:t>副</a:t>
+            </a:r>
+            <a:r>
+              <a:rPr lang="en-US" sz="3600" b="1" dirty="0" smtClean="0">
                 <a:solidFill>
                   <a:srgbClr val="660033"/>
                 </a:solidFill>
@@ -7656,7 +7694,7 @@
     </p:spTree>
     <p:extLst>
       <p:ext uri="{BB962C8B-B14F-4D97-AF65-F5344CB8AC3E}">
-        <p14:creationId xmlns:p14="http://schemas.microsoft.com/office/powerpoint/2010/main" val="1609925953"/>
+        <p14:creationId xmlns:p14="http://schemas.microsoft.com/office/powerpoint/2010/main" val="1934695619"/>
       </p:ext>
     </p:extLst>
   </p:cSld>
@@ -7716,7 +7754,47 @@
                 <a:latin typeface="微軟正黑體" pitchFamily="34" charset="-120"/>
                 <a:ea typeface="微軟正黑體" pitchFamily="34" charset="-120"/>
               </a:rPr>
-              <a:t>寶貴十架的大能賜我生命</a:t>
+              <a:t>寶貴十架的救恩  </a:t>
+            </a:r>
+            <a:r>
+              <a:rPr lang="zh-TW" altLang="en-US" sz="6400" b="1" dirty="0" smtClean="0">
+                <a:solidFill>
+                  <a:srgbClr val="660033"/>
+                </a:solidFill>
+                <a:latin typeface="微軟正黑體" pitchFamily="34" charset="-120"/>
+                <a:ea typeface="微軟正黑體" pitchFamily="34" charset="-120"/>
+              </a:rPr>
+              <a:t>是</a:t>
+            </a:r>
+            <a:r>
+              <a:rPr lang="zh-CN" altLang="en-US" sz="6400" b="1" dirty="0">
+                <a:solidFill>
+                  <a:srgbClr val="660033"/>
+                </a:solidFill>
+                <a:latin typeface="微軟正黑體" pitchFamily="34" charset="-120"/>
+                <a:ea typeface="微軟正黑體" pitchFamily="34" charset="-120"/>
+              </a:rPr>
+              <a:t>祢</a:t>
+            </a:r>
+            <a:r>
+              <a:rPr lang="zh-TW" altLang="en-US" sz="6400" b="1" dirty="0" smtClean="0">
+                <a:solidFill>
+                  <a:srgbClr val="660033"/>
+                </a:solidFill>
+                <a:latin typeface="微軟正黑體" pitchFamily="34" charset="-120"/>
+                <a:ea typeface="微軟正黑體" pitchFamily="34" charset="-120"/>
+              </a:rPr>
+              <a:t>所</a:t>
+            </a:r>
+            <a:r>
+              <a:rPr lang="zh-TW" altLang="en-US" sz="6400" b="1" dirty="0">
+                <a:solidFill>
+                  <a:srgbClr val="660033"/>
+                </a:solidFill>
+                <a:latin typeface="微軟正黑體" pitchFamily="34" charset="-120"/>
+                <a:ea typeface="微軟正黑體" pitchFamily="34" charset="-120"/>
+              </a:rPr>
+              <a:t>立的約</a:t>
             </a:r>
           </a:p>
           <a:p>
@@ -7724,6 +7802,26 @@
               <a:buNone/>
             </a:pPr>
             <a:r>
+              <a:rPr lang="zh-CN" altLang="en-US" sz="6400" b="1" dirty="0">
+                <a:solidFill>
+                  <a:srgbClr val="660033"/>
+                </a:solidFill>
+                <a:latin typeface="微軟正黑體" pitchFamily="34" charset="-120"/>
+                <a:ea typeface="微軟正黑體" pitchFamily="34" charset="-120"/>
+              </a:rPr>
+              <a:t>祢</a:t>
+            </a:r>
+            <a:r>
+              <a:rPr lang="zh-TW" altLang="en-US" sz="6400" b="1" dirty="0" smtClean="0">
+                <a:solidFill>
+                  <a:srgbClr val="660033"/>
+                </a:solidFill>
+                <a:latin typeface="微軟正黑體" pitchFamily="34" charset="-120"/>
+                <a:ea typeface="微軟正黑體" pitchFamily="34" charset="-120"/>
+              </a:rPr>
+              <a:t>的</a:t>
+            </a:r>
+            <a:r>
               <a:rPr lang="zh-TW" altLang="en-US" sz="6400" b="1" dirty="0">
                 <a:solidFill>
                   <a:srgbClr val="660033"/>
@@ -7731,35 +7829,8 @@
                 <a:latin typeface="微軟正黑體" pitchFamily="34" charset="-120"/>
                 <a:ea typeface="微軟正黑體" pitchFamily="34" charset="-120"/>
               </a:rPr>
-              <a:t>主耶穌  我俯伏敬</a:t>
-            </a:r>
-            <a:r>
-              <a:rPr lang="zh-TW" altLang="en-US" sz="6400" b="1" dirty="0" smtClean="0">
-                <a:solidFill>
-                  <a:srgbClr val="660033"/>
-                </a:solidFill>
-                <a:latin typeface="微軟正黑體" pitchFamily="34" charset="-120"/>
-                <a:ea typeface="微軟正黑體" pitchFamily="34" charset="-120"/>
-              </a:rPr>
-              <a:t>拜</a:t>
-            </a:r>
-            <a:r>
-              <a:rPr lang="zh-CN" altLang="en-US" sz="6400" b="1" dirty="0">
-                <a:solidFill>
-                  <a:srgbClr val="660033"/>
-                </a:solidFill>
-                <a:latin typeface="微軟正黑體" pitchFamily="34" charset="-120"/>
-                <a:ea typeface="微軟正黑體" pitchFamily="34" charset="-120"/>
-              </a:rPr>
-              <a:t>祢</a:t>
-            </a:r>
-            <a:endParaRPr lang="zh-TW" altLang="en-US" sz="6400" b="1" dirty="0">
-              <a:solidFill>
-                <a:srgbClr val="660033"/>
-              </a:solidFill>
-              <a:latin typeface="微軟正黑體" pitchFamily="34" charset="-120"/>
-              <a:ea typeface="微軟正黑體" pitchFamily="34" charset="-120"/>
-            </a:endParaRPr>
+              <a:t>愛永遠不會改變</a:t>
+            </a:r>
           </a:p>
         </p:txBody>
       </p:sp>
@@ -7828,7 +7899,7 @@
     </p:spTree>
     <p:extLst>
       <p:ext uri="{BB962C8B-B14F-4D97-AF65-F5344CB8AC3E}">
-        <p14:creationId xmlns:p14="http://schemas.microsoft.com/office/powerpoint/2010/main" val="1934695619"/>
+        <p14:creationId xmlns:p14="http://schemas.microsoft.com/office/powerpoint/2010/main" val="378617952"/>
       </p:ext>
     </p:extLst>
   </p:cSld>
@@ -7888,211 +7959,6 @@
                 <a:latin typeface="微軟正黑體" pitchFamily="34" charset="-120"/>
                 <a:ea typeface="微軟正黑體" pitchFamily="34" charset="-120"/>
               </a:rPr>
-              <a:t>寶貴十架的救恩  </a:t>
-            </a:r>
-            <a:r>
-              <a:rPr lang="zh-TW" altLang="en-US" sz="6400" b="1" dirty="0" smtClean="0">
-                <a:solidFill>
-                  <a:srgbClr val="660033"/>
-                </a:solidFill>
-                <a:latin typeface="微軟正黑體" pitchFamily="34" charset="-120"/>
-                <a:ea typeface="微軟正黑體" pitchFamily="34" charset="-120"/>
-              </a:rPr>
-              <a:t>是</a:t>
-            </a:r>
-            <a:r>
-              <a:rPr lang="zh-CN" altLang="en-US" sz="6400" b="1" dirty="0">
-                <a:solidFill>
-                  <a:srgbClr val="660033"/>
-                </a:solidFill>
-                <a:latin typeface="微軟正黑體" pitchFamily="34" charset="-120"/>
-                <a:ea typeface="微軟正黑體" pitchFamily="34" charset="-120"/>
-              </a:rPr>
-              <a:t>祢</a:t>
-            </a:r>
-            <a:r>
-              <a:rPr lang="zh-TW" altLang="en-US" sz="6400" b="1" dirty="0" smtClean="0">
-                <a:solidFill>
-                  <a:srgbClr val="660033"/>
-                </a:solidFill>
-                <a:latin typeface="微軟正黑體" pitchFamily="34" charset="-120"/>
-                <a:ea typeface="微軟正黑體" pitchFamily="34" charset="-120"/>
-              </a:rPr>
-              <a:t>所</a:t>
-            </a:r>
-            <a:r>
-              <a:rPr lang="zh-TW" altLang="en-US" sz="6400" b="1" dirty="0">
-                <a:solidFill>
-                  <a:srgbClr val="660033"/>
-                </a:solidFill>
-                <a:latin typeface="微軟正黑體" pitchFamily="34" charset="-120"/>
-                <a:ea typeface="微軟正黑體" pitchFamily="34" charset="-120"/>
-              </a:rPr>
-              <a:t>立的約</a:t>
-            </a:r>
-          </a:p>
-          <a:p>
-            <a:pPr algn="ctr">
-              <a:buNone/>
-            </a:pPr>
-            <a:r>
-              <a:rPr lang="zh-CN" altLang="en-US" sz="6400" b="1" dirty="0">
-                <a:solidFill>
-                  <a:srgbClr val="660033"/>
-                </a:solidFill>
-                <a:latin typeface="微軟正黑體" pitchFamily="34" charset="-120"/>
-                <a:ea typeface="微軟正黑體" pitchFamily="34" charset="-120"/>
-              </a:rPr>
-              <a:t>祢</a:t>
-            </a:r>
-            <a:r>
-              <a:rPr lang="zh-TW" altLang="en-US" sz="6400" b="1" dirty="0" smtClean="0">
-                <a:solidFill>
-                  <a:srgbClr val="660033"/>
-                </a:solidFill>
-                <a:latin typeface="微軟正黑體" pitchFamily="34" charset="-120"/>
-                <a:ea typeface="微軟正黑體" pitchFamily="34" charset="-120"/>
-              </a:rPr>
-              <a:t>的</a:t>
-            </a:r>
-            <a:r>
-              <a:rPr lang="zh-TW" altLang="en-US" sz="6400" b="1" dirty="0">
-                <a:solidFill>
-                  <a:srgbClr val="660033"/>
-                </a:solidFill>
-                <a:latin typeface="微軟正黑體" pitchFamily="34" charset="-120"/>
-                <a:ea typeface="微軟正黑體" pitchFamily="34" charset="-120"/>
-              </a:rPr>
-              <a:t>愛永遠不會改變</a:t>
-            </a:r>
-          </a:p>
-        </p:txBody>
-      </p:sp>
-      <p:sp>
-        <p:nvSpPr>
-          <p:cNvPr id="3" name="TextBox 2"/>
-          <p:cNvSpPr txBox="1"/>
-          <p:nvPr/>
-        </p:nvSpPr>
-        <p:spPr>
-          <a:xfrm>
-            <a:off x="17529" y="5157192"/>
-            <a:ext cx="12192000" cy="646331"/>
-          </a:xfrm>
-          <a:prstGeom prst="rect">
-            <a:avLst/>
-          </a:prstGeom>
-          <a:noFill/>
-        </p:spPr>
-        <p:txBody>
-          <a:bodyPr wrap="square" rtlCol="0">
-            <a:spAutoFit/>
-          </a:bodyPr>
-          <a:lstStyle/>
-          <a:p>
-            <a:pPr algn="ctr"/>
-            <a:r>
-              <a:rPr lang="en-US" sz="3600" b="1" dirty="0" smtClean="0">
-                <a:solidFill>
-                  <a:srgbClr val="660033"/>
-                </a:solidFill>
-                <a:latin typeface="Microsoft JhengHei" panose="020B0604030504040204" pitchFamily="34" charset="-120"/>
-                <a:ea typeface="Microsoft JhengHei" panose="020B0604030504040204" pitchFamily="34" charset="-120"/>
-              </a:rPr>
-              <a:t>( </a:t>
-            </a:r>
-            <a:r>
-              <a:rPr lang="zh-CN" altLang="en-US" sz="3600" b="1" dirty="0" smtClean="0">
-                <a:solidFill>
-                  <a:srgbClr val="660033"/>
-                </a:solidFill>
-                <a:latin typeface="Microsoft JhengHei" panose="020B0604030504040204" pitchFamily="34" charset="-120"/>
-                <a:ea typeface="Microsoft JhengHei" panose="020B0604030504040204" pitchFamily="34" charset="-120"/>
-              </a:rPr>
-              <a:t>副</a:t>
-            </a:r>
-            <a:r>
-              <a:rPr lang="en-US" sz="3600" b="1" dirty="0" smtClean="0">
-                <a:solidFill>
-                  <a:srgbClr val="660033"/>
-                </a:solidFill>
-                <a:latin typeface="Microsoft JhengHei" panose="020B0604030504040204" pitchFamily="34" charset="-120"/>
-                <a:ea typeface="Microsoft JhengHei" panose="020B0604030504040204" pitchFamily="34" charset="-120"/>
-              </a:rPr>
-              <a:t> )</a:t>
-            </a:r>
-            <a:endParaRPr lang="vi-VN" sz="3600" b="1" dirty="0">
-              <a:solidFill>
-                <a:srgbClr val="660033"/>
-              </a:solidFill>
-              <a:ea typeface="Microsoft JhengHei" panose="020B0604030504040204" pitchFamily="34" charset="-120"/>
-            </a:endParaRPr>
-          </a:p>
-        </p:txBody>
-      </p:sp>
-    </p:spTree>
-    <p:extLst>
-      <p:ext uri="{BB962C8B-B14F-4D97-AF65-F5344CB8AC3E}">
-        <p14:creationId xmlns:p14="http://schemas.microsoft.com/office/powerpoint/2010/main" val="378617952"/>
-      </p:ext>
-    </p:extLst>
-  </p:cSld>
-  <p:clrMapOvr>
-    <a:masterClrMapping/>
-  </p:clrMapOvr>
-</p:sld>
-</file>
-
-<file path=ppt/slides/slide37.xml><?xml version="1.0" encoding="utf-8"?>
-<p:sld xmlns:a="http://schemas.openxmlformats.org/drawingml/2006/main" xmlns:r="http://schemas.openxmlformats.org/officeDocument/2006/relationships" xmlns:p="http://schemas.openxmlformats.org/presentationml/2006/main">
-  <p:cSld>
-    <p:spTree>
-      <p:nvGrpSpPr>
-        <p:cNvPr id="1" name=""/>
-        <p:cNvGrpSpPr/>
-        <p:nvPr/>
-      </p:nvGrpSpPr>
-      <p:grpSpPr>
-        <a:xfrm>
-          <a:off x="0" y="0"/>
-          <a:ext cx="0" cy="0"/>
-          <a:chOff x="0" y="0"/>
-          <a:chExt cx="0" cy="0"/>
-        </a:xfrm>
-      </p:grpSpPr>
-      <p:sp>
-        <p:nvSpPr>
-          <p:cNvPr id="5" name="內容版面配置區 4"/>
-          <p:cNvSpPr>
-            <a:spLocks noGrp="1"/>
-          </p:cNvSpPr>
-          <p:nvPr>
-            <p:ph idx="1"/>
-          </p:nvPr>
-        </p:nvSpPr>
-        <p:spPr>
-          <a:xfrm>
-            <a:off x="0" y="2084853"/>
-            <a:ext cx="12192000" cy="2404863"/>
-          </a:xfrm>
-        </p:spPr>
-        <p:txBody>
-          <a:bodyPr anchor="ctr">
-            <a:normAutofit/>
-          </a:bodyPr>
-          <a:lstStyle/>
-          <a:p>
-            <a:pPr algn="ctr">
-              <a:buNone/>
-            </a:pPr>
-            <a:r>
-              <a:rPr lang="zh-TW" altLang="en-US" sz="6400" b="1" dirty="0">
-                <a:solidFill>
-                  <a:srgbClr val="660033"/>
-                </a:solidFill>
-                <a:latin typeface="微軟正黑體" pitchFamily="34" charset="-120"/>
-                <a:ea typeface="微軟正黑體" pitchFamily="34" charset="-120"/>
-              </a:rPr>
               <a:t>寶貴十架的大能賜我生命</a:t>
             </a:r>
           </a:p>
@@ -8215,7 +8081,7 @@
 </p:sld>
 </file>
 
-<file path=ppt/slides/slide38.xml><?xml version="1.0" encoding="utf-8"?>
+<file path=ppt/slides/slide37.xml><?xml version="1.0" encoding="utf-8"?>
 <p:sld xmlns:a="http://schemas.openxmlformats.org/drawingml/2006/main" xmlns:r="http://schemas.openxmlformats.org/officeDocument/2006/relationships" xmlns:p="http://schemas.openxmlformats.org/presentationml/2006/main">
   <p:cSld>
     <p:spTree>
